--- a/Gip tussentijdse voorstelling.pptx
+++ b/Gip tussentijdse voorstelling.pptx
@@ -16,8 +16,8 @@
     <p:sldId id="264" r:id="rId10"/>
     <p:sldId id="268" r:id="rId11"/>
     <p:sldId id="269" r:id="rId12"/>
-    <p:sldId id="270" r:id="rId13"/>
-    <p:sldId id="265" r:id="rId14"/>
+    <p:sldId id="271" r:id="rId13"/>
+    <p:sldId id="270" r:id="rId14"/>
     <p:sldId id="266" r:id="rId15"/>
     <p:sldId id="267" r:id="rId16"/>
   </p:sldIdLst>
@@ -372,7 +372,7 @@
             <a:fld id="{B61BEF0D-F0BB-DE4B-95CE-6DB70DBA9567}" type="datetimeFigureOut">
               <a:rPr lang="en-US" dirty="0"/>
               <a:pPr/>
-              <a:t>1/10/2019</a:t>
+              <a:t>1/11/2019</a:t>
             </a:fld>
             <a:endParaRPr lang="en-US" dirty="0"/>
           </a:p>
@@ -631,7 +631,7 @@
             <a:fld id="{B61BEF0D-F0BB-DE4B-95CE-6DB70DBA9567}" type="datetimeFigureOut">
               <a:rPr lang="en-US" dirty="0"/>
               <a:pPr/>
-              <a:t>1/10/2019</a:t>
+              <a:t>1/11/2019</a:t>
             </a:fld>
             <a:endParaRPr lang="en-US" dirty="0"/>
           </a:p>
@@ -863,7 +863,7 @@
             <a:fld id="{B61BEF0D-F0BB-DE4B-95CE-6DB70DBA9567}" type="datetimeFigureOut">
               <a:rPr lang="en-US" dirty="0"/>
               <a:pPr/>
-              <a:t>1/10/2019</a:t>
+              <a:t>1/11/2019</a:t>
             </a:fld>
             <a:endParaRPr lang="en-US" dirty="0"/>
           </a:p>
@@ -1100,7 +1100,7 @@
             <a:fld id="{B61BEF0D-F0BB-DE4B-95CE-6DB70DBA9567}" type="datetimeFigureOut">
               <a:rPr lang="en-US" dirty="0"/>
               <a:pPr/>
-              <a:t>1/10/2019</a:t>
+              <a:t>1/11/2019</a:t>
             </a:fld>
             <a:endParaRPr lang="en-US" dirty="0"/>
           </a:p>
@@ -1404,7 +1404,7 @@
             <a:fld id="{B61BEF0D-F0BB-DE4B-95CE-6DB70DBA9567}" type="datetimeFigureOut">
               <a:rPr lang="en-US" dirty="0"/>
               <a:pPr/>
-              <a:t>1/10/2019</a:t>
+              <a:t>1/11/2019</a:t>
             </a:fld>
             <a:endParaRPr lang="en-US" dirty="0"/>
           </a:p>
@@ -1703,7 +1703,7 @@
             <a:fld id="{B61BEF0D-F0BB-DE4B-95CE-6DB70DBA9567}" type="datetimeFigureOut">
               <a:rPr lang="en-US" dirty="0"/>
               <a:pPr/>
-              <a:t>1/10/2019</a:t>
+              <a:t>1/11/2019</a:t>
             </a:fld>
             <a:endParaRPr lang="en-US" dirty="0"/>
           </a:p>
@@ -2122,7 +2122,7 @@
             <a:fld id="{B61BEF0D-F0BB-DE4B-95CE-6DB70DBA9567}" type="datetimeFigureOut">
               <a:rPr lang="en-US" dirty="0"/>
               <a:pPr/>
-              <a:t>1/10/2019</a:t>
+              <a:t>1/11/2019</a:t>
             </a:fld>
             <a:endParaRPr lang="en-US" dirty="0"/>
           </a:p>
@@ -2281,7 +2281,7 @@
             <a:fld id="{B61BEF0D-F0BB-DE4B-95CE-6DB70DBA9567}" type="datetimeFigureOut">
               <a:rPr lang="en-US" dirty="0"/>
               <a:pPr/>
-              <a:t>1/10/2019</a:t>
+              <a:t>1/11/2019</a:t>
             </a:fld>
             <a:endParaRPr lang="en-US" dirty="0"/>
           </a:p>
@@ -2373,7 +2373,7 @@
             <a:fld id="{B61BEF0D-F0BB-DE4B-95CE-6DB70DBA9567}" type="datetimeFigureOut">
               <a:rPr lang="en-US" dirty="0"/>
               <a:pPr/>
-              <a:t>1/10/2019</a:t>
+              <a:t>1/11/2019</a:t>
             </a:fld>
             <a:endParaRPr lang="en-US" dirty="0"/>
           </a:p>
@@ -2748,7 +2748,7 @@
             <a:fld id="{B61BEF0D-F0BB-DE4B-95CE-6DB70DBA9567}" type="datetimeFigureOut">
               <a:rPr lang="en-US" dirty="0"/>
               <a:pPr/>
-              <a:t>1/10/2019</a:t>
+              <a:t>1/11/2019</a:t>
             </a:fld>
             <a:endParaRPr lang="en-US" dirty="0"/>
           </a:p>
@@ -3034,7 +3034,7 @@
             <a:fld id="{B61BEF0D-F0BB-DE4B-95CE-6DB70DBA9567}" type="datetimeFigureOut">
               <a:rPr lang="en-US" dirty="0"/>
               <a:pPr/>
-              <a:t>1/10/2019</a:t>
+              <a:t>1/11/2019</a:t>
             </a:fld>
             <a:endParaRPr lang="en-US" dirty="0"/>
           </a:p>
@@ -3242,7 +3242,7 @@
             <a:fld id="{B61BEF0D-F0BB-DE4B-95CE-6DB70DBA9567}" type="datetimeFigureOut">
               <a:rPr lang="en-US" dirty="0"/>
               <a:pPr/>
-              <a:t>1/10/2019</a:t>
+              <a:t>1/11/2019</a:t>
             </a:fld>
             <a:endParaRPr lang="en-US" dirty="0"/>
           </a:p>
@@ -3902,7 +3902,15 @@
           <a:bodyPr/>
           <a:lstStyle/>
           <a:p>
-            <a:endParaRPr lang="en-US"/>
+            <a:r>
+              <a:rPr lang="nl-BE" dirty="0"/>
+              <a:t>Door: Robbe </a:t>
+            </a:r>
+            <a:r>
+              <a:rPr lang="nl-BE" dirty="0" err="1"/>
+              <a:t>dierickx</a:t>
+            </a:r>
+            <a:endParaRPr lang="en-US" dirty="0"/>
           </a:p>
         </p:txBody>
       </p:sp>
@@ -4824,10 +4832,10 @@
       </p:grpSpPr>
       <p:sp>
         <p:nvSpPr>
-          <p:cNvPr id="10" name="Rectangle 9">
+          <p:cNvPr id="9" name="Rectangle 8">
             <a:extLst>
               <a:ext uri="{FF2B5EF4-FFF2-40B4-BE49-F238E27FC236}">
-                <a16:creationId xmlns:a16="http://schemas.microsoft.com/office/drawing/2014/main" id="{A499F183-99EE-4B1F-BA64-21A07922AE82}"/>
+                <a16:creationId xmlns:a16="http://schemas.microsoft.com/office/drawing/2014/main" id="{66D08039-6C4E-4870-9E3D-6218263DE95D}"/>
               </a:ext>
               <a:ext uri="{C183D7F6-B498-43B3-948B-1728B52AA6E4}">
                 <adec:decorative xmlns:adec="http://schemas.microsoft.com/office/drawing/2017/decorative" val="1"/>
@@ -4878,10 +4886,10 @@
       </p:sp>
       <p:sp>
         <p:nvSpPr>
-          <p:cNvPr id="12" name="Rectangle 11">
+          <p:cNvPr id="11" name="Rectangle 10">
             <a:extLst>
               <a:ext uri="{FF2B5EF4-FFF2-40B4-BE49-F238E27FC236}">
-                <a16:creationId xmlns:a16="http://schemas.microsoft.com/office/drawing/2014/main" id="{B783A767-5AFC-40D0-A72C-09036EA1726F}"/>
+                <a16:creationId xmlns:a16="http://schemas.microsoft.com/office/drawing/2014/main" id="{9FB31D2E-CBC8-4C4A-917F-DCB48EAEB08A}"/>
               </a:ext>
               <a:ext uri="{C183D7F6-B498-43B3-948B-1728B52AA6E4}">
                 <adec:decorative xmlns:adec="http://schemas.microsoft.com/office/drawing/2017/decorative" val="1"/>
@@ -4932,10 +4940,10 @@
       </p:sp>
       <p:sp>
         <p:nvSpPr>
-          <p:cNvPr id="14" name="Rectangle 13">
+          <p:cNvPr id="13" name="Rectangle 12">
             <a:extLst>
               <a:ext uri="{FF2B5EF4-FFF2-40B4-BE49-F238E27FC236}">
-                <a16:creationId xmlns:a16="http://schemas.microsoft.com/office/drawing/2014/main" id="{41262CAC-6BC8-43F9-9113-770A2772F68C}"/>
+                <a16:creationId xmlns:a16="http://schemas.microsoft.com/office/drawing/2014/main" id="{FCCF4F09-0D96-42BE-AE16-84AB4E0B5674}"/>
               </a:ext>
               <a:ext uri="{C183D7F6-B498-43B3-948B-1728B52AA6E4}">
                 <adec:decorative xmlns:adec="http://schemas.microsoft.com/office/drawing/2017/decorative" val="1"/>
@@ -4986,10 +4994,10 @@
       </p:sp>
       <p:sp>
         <p:nvSpPr>
-          <p:cNvPr id="16" name="Rectangle 15">
+          <p:cNvPr id="15" name="Rectangle 14">
             <a:extLst>
               <a:ext uri="{FF2B5EF4-FFF2-40B4-BE49-F238E27FC236}">
-                <a16:creationId xmlns:a16="http://schemas.microsoft.com/office/drawing/2014/main" id="{1AA2CCB6-DFD2-41CD-96FE-0140B793599F}"/>
+                <a16:creationId xmlns:a16="http://schemas.microsoft.com/office/drawing/2014/main" id="{21AF87EE-372A-438E-B086-63D494ECA27E}"/>
               </a:ext>
               <a:ext uri="{C183D7F6-B498-43B3-948B-1728B52AA6E4}">
                 <adec:decorative xmlns:adec="http://schemas.microsoft.com/office/drawing/2017/decorative" val="1"/>
@@ -5040,10 +5048,10 @@
       </p:sp>
       <p:sp useBgFill="1">
         <p:nvSpPr>
-          <p:cNvPr id="18" name="Rectangle 17">
+          <p:cNvPr id="17" name="Rectangle 16">
             <a:extLst>
               <a:ext uri="{FF2B5EF4-FFF2-40B4-BE49-F238E27FC236}">
-                <a16:creationId xmlns:a16="http://schemas.microsoft.com/office/drawing/2014/main" id="{6A225C9B-755F-4F91-9681-5E07AFAA71F4}"/>
+                <a16:creationId xmlns:a16="http://schemas.microsoft.com/office/drawing/2014/main" id="{5A990F04-D677-4DB7-9922-D31D61E3E32A}"/>
               </a:ext>
               <a:ext uri="{C183D7F6-B498-43B3-948B-1728B52AA6E4}">
                 <adec:decorative xmlns:adec="http://schemas.microsoft.com/office/drawing/2017/decorative" val="1"/>
@@ -5063,8 +5071,8 @@
         </p:nvSpPr>
         <p:spPr>
           <a:xfrm>
-            <a:off x="0" y="638175"/>
-            <a:ext cx="12191999" cy="6219825"/>
+            <a:off x="0" y="0"/>
+            <a:ext cx="12192000" cy="6858000"/>
           </a:xfrm>
           <a:prstGeom prst="rect">
             <a:avLst/>
@@ -5098,12 +5106,72 @@
           </a:p>
         </p:txBody>
       </p:sp>
+      <p:sp useBgFill="1">
+        <p:nvSpPr>
+          <p:cNvPr id="19" name="Rectangle 18">
+            <a:extLst>
+              <a:ext uri="{FF2B5EF4-FFF2-40B4-BE49-F238E27FC236}">
+                <a16:creationId xmlns:a16="http://schemas.microsoft.com/office/drawing/2014/main" id="{E45C779D-4C6F-4D65-ACDE-D700D5677F5E}"/>
+              </a:ext>
+              <a:ext uri="{C183D7F6-B498-43B3-948B-1728B52AA6E4}">
+                <adec:decorative xmlns:adec="http://schemas.microsoft.com/office/drawing/2017/decorative" val="1"/>
+              </a:ext>
+            </a:extLst>
+          </p:cNvPr>
+          <p:cNvSpPr>
+            <a:spLocks noGrp="1" noRot="1" noChangeAspect="1" noMove="1" noResize="1" noEditPoints="1" noAdjustHandles="1" noChangeArrowheads="1" noChangeShapeType="1" noTextEdit="1"/>
+          </p:cNvSpPr>
+          <p:nvPr>
+            <p:extLst>
+              <p:ext uri="{386F3935-93C4-4BCD-93E2-E3B085C9AB24}">
+                <p16:designElem xmlns:p16="http://schemas.microsoft.com/office/powerpoint/2015/main" val="1"/>
+              </p:ext>
+            </p:extLst>
+          </p:nvPr>
+        </p:nvSpPr>
+        <p:spPr>
+          <a:xfrm>
+            <a:off x="0" y="638175"/>
+            <a:ext cx="12191999" cy="6219825"/>
+          </a:xfrm>
+          <a:prstGeom prst="rect">
+            <a:avLst/>
+          </a:prstGeom>
+          <a:ln>
+            <a:noFill/>
+          </a:ln>
+        </p:spPr>
+        <p:style>
+          <a:lnRef idx="2">
+            <a:schemeClr val="accent1">
+              <a:shade val="50000"/>
+            </a:schemeClr>
+          </a:lnRef>
+          <a:fillRef idx="1">
+            <a:schemeClr val="accent1"/>
+          </a:fillRef>
+          <a:effectRef idx="0">
+            <a:schemeClr val="accent1"/>
+          </a:effectRef>
+          <a:fontRef idx="minor">
+            <a:schemeClr val="lt1"/>
+          </a:fontRef>
+        </p:style>
+        <p:txBody>
+          <a:bodyPr rtlCol="0" anchor="ctr"/>
+          <a:lstStyle/>
+          <a:p>
+            <a:pPr algn="ctr"/>
+            <a:endParaRPr lang="en-US"/>
+          </a:p>
+        </p:txBody>
+      </p:sp>
       <p:pic>
         <p:nvPicPr>
-          <p:cNvPr id="7" name="Afbeelding 3">
+          <p:cNvPr id="4" name="Tijdelijke aanduiding voor inhoud 3">
             <a:extLst>
               <a:ext uri="{FF2B5EF4-FFF2-40B4-BE49-F238E27FC236}">
-                <a16:creationId xmlns:a16="http://schemas.microsoft.com/office/drawing/2014/main" id="{90EF9097-8232-4F15-AD8A-AF64451F25E1}"/>
+                <a16:creationId xmlns:a16="http://schemas.microsoft.com/office/drawing/2014/main" id="{8DACB918-2D6C-454A-BE70-347F6BA9BCC1}"/>
               </a:ext>
             </a:extLst>
           </p:cNvPr>
@@ -5114,16 +5182,15 @@
             <p:ph idx="1"/>
           </p:nvPr>
         </p:nvPicPr>
-        <p:blipFill>
+        <p:blipFill rotWithShape="1">
           <a:blip r:embed="rId2"/>
-          <a:stretch>
-            <a:fillRect/>
-          </a:stretch>
+          <a:srcRect t="3377" r="-4" b="-4"/>
+          <a:stretch/>
         </p:blipFill>
         <p:spPr>
           <a:xfrm>
-            <a:off x="3367848" y="1208531"/>
-            <a:ext cx="1645436" cy="4735069"/>
+            <a:off x="446533" y="723899"/>
+            <a:ext cx="6202841" cy="5666666"/>
           </a:xfrm>
           <a:prstGeom prst="rect">
             <a:avLst/>
@@ -5132,10 +5199,10 @@
       </p:pic>
       <p:sp>
         <p:nvSpPr>
-          <p:cNvPr id="20" name="Rectangle 19">
+          <p:cNvPr id="21" name="Rectangle 20">
             <a:extLst>
               <a:ext uri="{FF2B5EF4-FFF2-40B4-BE49-F238E27FC236}">
-                <a16:creationId xmlns:a16="http://schemas.microsoft.com/office/drawing/2014/main" id="{932CD2CD-6CF3-4EE9-A24A-A41D45DCF922}"/>
+                <a16:creationId xmlns:a16="http://schemas.microsoft.com/office/drawing/2014/main" id="{9C51B322-BAD9-40C0-BB3B-567DE59B233F}"/>
               </a:ext>
               <a:ext uri="{C183D7F6-B498-43B3-948B-1728B52AA6E4}">
                 <adec:decorative xmlns:adec="http://schemas.microsoft.com/office/drawing/2017/decorative" val="1"/>
@@ -5155,8 +5222,8 @@
         </p:nvSpPr>
         <p:spPr>
           <a:xfrm>
-            <a:off x="8042147" y="723899"/>
-            <a:ext cx="3703320" cy="5666666"/>
+            <a:off x="6736079" y="723899"/>
+            <a:ext cx="5009388" cy="5666666"/>
           </a:xfrm>
           <a:prstGeom prst="rect">
             <a:avLst/>
@@ -5189,7 +5256,7 @@
           <p:cNvPr id="2" name="Titel 1">
             <a:extLst>
               <a:ext uri="{FF2B5EF4-FFF2-40B4-BE49-F238E27FC236}">
-                <a16:creationId xmlns:a16="http://schemas.microsoft.com/office/drawing/2014/main" id="{29ED3705-1D80-44D3-86C9-F3B7385E4ACD}"/>
+                <a16:creationId xmlns:a16="http://schemas.microsoft.com/office/drawing/2014/main" id="{49CD22E4-1A7E-4F2F-9B81-5048BAEE6001}"/>
               </a:ext>
             </a:extLst>
           </p:cNvPr>
@@ -5202,8 +5269,8 @@
         </p:nvSpPr>
         <p:spPr>
           <a:xfrm>
-            <a:off x="8296275" y="1419225"/>
-            <a:ext cx="3081576" cy="2085869"/>
+            <a:off x="7261934" y="1419225"/>
+            <a:ext cx="4115917" cy="2085869"/>
           </a:xfrm>
         </p:spPr>
         <p:txBody>
@@ -5218,15 +5285,203 @@
                   <a:srgbClr val="FFFFFF"/>
                 </a:solidFill>
               </a:rPr>
-              <a:t>Software: flowshart</a:t>
-            </a:r>
-          </a:p>
-        </p:txBody>
-      </p:sp>
+              <a:t>Eagle: bord</a:t>
+            </a:r>
+          </a:p>
+        </p:txBody>
+      </p:sp>
+      <p:grpSp>
+        <p:nvGrpSpPr>
+          <p:cNvPr id="23" name="Group 22">
+            <a:extLst>
+              <a:ext uri="{FF2B5EF4-FFF2-40B4-BE49-F238E27FC236}">
+                <a16:creationId xmlns:a16="http://schemas.microsoft.com/office/drawing/2014/main" id="{4F0C6271-47D7-4964-A505-71C87C0CA24C}"/>
+              </a:ext>
+              <a:ext uri="{C183D7F6-B498-43B3-948B-1728B52AA6E4}">
+                <adec:decorative xmlns:adec="http://schemas.microsoft.com/office/drawing/2017/decorative" val="1"/>
+              </a:ext>
+            </a:extLst>
+          </p:cNvPr>
+          <p:cNvGrpSpPr>
+            <a:grpSpLocks noGrp="1" noUngrp="1" noRot="1" noChangeAspect="1" noMove="1" noResize="1"/>
+          </p:cNvGrpSpPr>
+          <p:nvPr>
+            <p:extLst>
+              <p:ext uri="{386F3935-93C4-4BCD-93E2-E3B085C9AB24}">
+                <p16:designElem xmlns:p16="http://schemas.microsoft.com/office/powerpoint/2015/main" val="1"/>
+              </p:ext>
+            </p:extLst>
+          </p:nvPr>
+        </p:nvGrpSpPr>
+        <p:grpSpPr>
+          <a:xfrm>
+            <a:off x="446534" y="453643"/>
+            <a:ext cx="11298933" cy="98554"/>
+            <a:chOff x="446534" y="453643"/>
+            <a:chExt cx="11298933" cy="98554"/>
+          </a:xfrm>
+        </p:grpSpPr>
+        <p:sp>
+          <p:nvSpPr>
+            <p:cNvPr id="24" name="Rectangle 23">
+              <a:extLst>
+                <a:ext uri="{FF2B5EF4-FFF2-40B4-BE49-F238E27FC236}">
+                  <a16:creationId xmlns:a16="http://schemas.microsoft.com/office/drawing/2014/main" id="{FAE67D4F-6BA5-4F2E-B41B-B8553908BDBA}"/>
+                </a:ext>
+                <a:ext uri="{C183D7F6-B498-43B3-948B-1728B52AA6E4}">
+                  <adec:decorative xmlns:adec="http://schemas.microsoft.com/office/drawing/2017/decorative" val="1"/>
+                </a:ext>
+              </a:extLst>
+            </p:cNvPr>
+            <p:cNvSpPr/>
+            <p:nvPr>
+              <p:extLst>
+                <p:ext uri="{386F3935-93C4-4BCD-93E2-E3B085C9AB24}">
+                  <p16:designElem xmlns:p16="http://schemas.microsoft.com/office/powerpoint/2015/main" val="1"/>
+                </p:ext>
+              </p:extLst>
+            </p:nvPr>
+          </p:nvSpPr>
+          <p:spPr>
+            <a:xfrm>
+              <a:off x="446534" y="457200"/>
+              <a:ext cx="3703320" cy="94997"/>
+            </a:xfrm>
+            <a:prstGeom prst="rect">
+              <a:avLst/>
+            </a:prstGeom>
+            <a:solidFill>
+              <a:schemeClr val="accent1"/>
+            </a:solidFill>
+            <a:ln>
+              <a:noFill/>
+            </a:ln>
+            <a:effectLst/>
+          </p:spPr>
+          <p:style>
+            <a:lnRef idx="1">
+              <a:schemeClr val="accent1"/>
+            </a:lnRef>
+            <a:fillRef idx="3">
+              <a:schemeClr val="accent1"/>
+            </a:fillRef>
+            <a:effectRef idx="2">
+              <a:schemeClr val="accent1"/>
+            </a:effectRef>
+            <a:fontRef idx="minor">
+              <a:schemeClr val="lt1"/>
+            </a:fontRef>
+          </p:style>
+        </p:sp>
+        <p:sp>
+          <p:nvSpPr>
+            <p:cNvPr id="25" name="Rectangle 24">
+              <a:extLst>
+                <a:ext uri="{FF2B5EF4-FFF2-40B4-BE49-F238E27FC236}">
+                  <a16:creationId xmlns:a16="http://schemas.microsoft.com/office/drawing/2014/main" id="{BA2C8C5E-4349-46A8-9896-F2124F6874B6}"/>
+                </a:ext>
+                <a:ext uri="{C183D7F6-B498-43B3-948B-1728B52AA6E4}">
+                  <adec:decorative xmlns:adec="http://schemas.microsoft.com/office/drawing/2017/decorative" val="1"/>
+                </a:ext>
+              </a:extLst>
+            </p:cNvPr>
+            <p:cNvSpPr/>
+            <p:nvPr>
+              <p:extLst>
+                <p:ext uri="{386F3935-93C4-4BCD-93E2-E3B085C9AB24}">
+                  <p16:designElem xmlns:p16="http://schemas.microsoft.com/office/powerpoint/2015/main" val="1"/>
+                </p:ext>
+              </p:extLst>
+            </p:nvPr>
+          </p:nvSpPr>
+          <p:spPr>
+            <a:xfrm>
+              <a:off x="8042147" y="453643"/>
+              <a:ext cx="3703320" cy="98554"/>
+            </a:xfrm>
+            <a:prstGeom prst="rect">
+              <a:avLst/>
+            </a:prstGeom>
+            <a:solidFill>
+              <a:schemeClr val="accent4"/>
+            </a:solidFill>
+            <a:ln>
+              <a:noFill/>
+            </a:ln>
+            <a:effectLst/>
+          </p:spPr>
+          <p:style>
+            <a:lnRef idx="1">
+              <a:schemeClr val="accent1"/>
+            </a:lnRef>
+            <a:fillRef idx="3">
+              <a:schemeClr val="accent1"/>
+            </a:fillRef>
+            <a:effectRef idx="2">
+              <a:schemeClr val="accent1"/>
+            </a:effectRef>
+            <a:fontRef idx="minor">
+              <a:schemeClr val="lt1"/>
+            </a:fontRef>
+          </p:style>
+        </p:sp>
+        <p:sp>
+          <p:nvSpPr>
+            <p:cNvPr id="26" name="Rectangle 25">
+              <a:extLst>
+                <a:ext uri="{FF2B5EF4-FFF2-40B4-BE49-F238E27FC236}">
+                  <a16:creationId xmlns:a16="http://schemas.microsoft.com/office/drawing/2014/main" id="{6C0191E3-F755-4E2E-8AF9-3F7F5D9A264B}"/>
+                </a:ext>
+                <a:ext uri="{C183D7F6-B498-43B3-948B-1728B52AA6E4}">
+                  <adec:decorative xmlns:adec="http://schemas.microsoft.com/office/drawing/2017/decorative" val="1"/>
+                </a:ext>
+              </a:extLst>
+            </p:cNvPr>
+            <p:cNvSpPr/>
+            <p:nvPr>
+              <p:extLst>
+                <p:ext uri="{386F3935-93C4-4BCD-93E2-E3B085C9AB24}">
+                  <p16:designElem xmlns:p16="http://schemas.microsoft.com/office/powerpoint/2015/main" val="1"/>
+                </p:ext>
+              </p:extLst>
+            </p:nvPr>
+          </p:nvSpPr>
+          <p:spPr>
+            <a:xfrm>
+              <a:off x="4241830" y="457200"/>
+              <a:ext cx="3703320" cy="91440"/>
+            </a:xfrm>
+            <a:prstGeom prst="rect">
+              <a:avLst/>
+            </a:prstGeom>
+            <a:solidFill>
+              <a:schemeClr val="accent2"/>
+            </a:solidFill>
+            <a:ln>
+              <a:noFill/>
+            </a:ln>
+            <a:effectLst/>
+          </p:spPr>
+          <p:style>
+            <a:lnRef idx="1">
+              <a:schemeClr val="accent1"/>
+            </a:lnRef>
+            <a:fillRef idx="3">
+              <a:schemeClr val="accent1"/>
+            </a:fillRef>
+            <a:effectRef idx="2">
+              <a:schemeClr val="accent1"/>
+            </a:effectRef>
+            <a:fontRef idx="minor">
+              <a:schemeClr val="lt1"/>
+            </a:fontRef>
+          </p:style>
+        </p:sp>
+      </p:grpSp>
     </p:spTree>
     <p:extLst>
       <p:ext uri="{BB962C8B-B14F-4D97-AF65-F5344CB8AC3E}">
-        <p14:creationId xmlns:p14="http://schemas.microsoft.com/office/powerpoint/2010/main" val="2596809219"/>
+        <p14:creationId xmlns:p14="http://schemas.microsoft.com/office/powerpoint/2010/main" val="3563159363"/>
       </p:ext>
     </p:extLst>
   </p:cSld>
@@ -5239,6 +5494,14 @@
 <file path=ppt/slides/slide13.xml><?xml version="1.0" encoding="utf-8"?>
 <p:sld xmlns:a="http://schemas.openxmlformats.org/drawingml/2006/main" xmlns:r="http://schemas.openxmlformats.org/officeDocument/2006/relationships" xmlns:p="http://schemas.openxmlformats.org/presentationml/2006/main">
   <p:cSld>
+    <p:bg>
+      <p:bgPr>
+        <a:solidFill>
+          <a:schemeClr val="bg1"/>
+        </a:solidFill>
+        <a:effectLst/>
+      </p:bgPr>
+    </p:bg>
     <p:spTree>
       <p:nvGrpSpPr>
         <p:cNvPr id="1" name=""/>
@@ -5255,10 +5518,372 @@
       </p:grpSpPr>
       <p:sp>
         <p:nvSpPr>
+          <p:cNvPr id="10" name="Rectangle 9">
+            <a:extLst>
+              <a:ext uri="{FF2B5EF4-FFF2-40B4-BE49-F238E27FC236}">
+                <a16:creationId xmlns:a16="http://schemas.microsoft.com/office/drawing/2014/main" id="{A499F183-99EE-4B1F-BA64-21A07922AE82}"/>
+              </a:ext>
+              <a:ext uri="{C183D7F6-B498-43B3-948B-1728B52AA6E4}">
+                <adec:decorative xmlns:adec="http://schemas.microsoft.com/office/drawing/2017/decorative" val="1"/>
+              </a:ext>
+            </a:extLst>
+          </p:cNvPr>
+          <p:cNvSpPr>
+            <a:spLocks noGrp="1" noRot="1" noChangeAspect="1" noMove="1" noResize="1" noEditPoints="1" noAdjustHandles="1" noChangeArrowheads="1" noChangeShapeType="1" noTextEdit="1"/>
+          </p:cNvSpPr>
+          <p:nvPr>
+            <p:extLst>
+              <p:ext uri="{386F3935-93C4-4BCD-93E2-E3B085C9AB24}">
+                <p16:designElem xmlns:p16="http://schemas.microsoft.com/office/powerpoint/2015/main" val="1"/>
+              </p:ext>
+            </p:extLst>
+          </p:nvPr>
+        </p:nvSpPr>
+        <p:spPr>
+          <a:xfrm>
+            <a:off x="446534" y="457200"/>
+            <a:ext cx="3703320" cy="94997"/>
+          </a:xfrm>
+          <a:prstGeom prst="rect">
+            <a:avLst/>
+          </a:prstGeom>
+          <a:solidFill>
+            <a:schemeClr val="accent1"/>
+          </a:solidFill>
+          <a:ln>
+            <a:noFill/>
+          </a:ln>
+          <a:effectLst/>
+        </p:spPr>
+        <p:style>
+          <a:lnRef idx="1">
+            <a:schemeClr val="accent1"/>
+          </a:lnRef>
+          <a:fillRef idx="3">
+            <a:schemeClr val="accent1"/>
+          </a:fillRef>
+          <a:effectRef idx="2">
+            <a:schemeClr val="accent1"/>
+          </a:effectRef>
+          <a:fontRef idx="minor">
+            <a:schemeClr val="lt1"/>
+          </a:fontRef>
+        </p:style>
+      </p:sp>
+      <p:sp>
+        <p:nvSpPr>
+          <p:cNvPr id="12" name="Rectangle 11">
+            <a:extLst>
+              <a:ext uri="{FF2B5EF4-FFF2-40B4-BE49-F238E27FC236}">
+                <a16:creationId xmlns:a16="http://schemas.microsoft.com/office/drawing/2014/main" id="{B783A767-5AFC-40D0-A72C-09036EA1726F}"/>
+              </a:ext>
+              <a:ext uri="{C183D7F6-B498-43B3-948B-1728B52AA6E4}">
+                <adec:decorative xmlns:adec="http://schemas.microsoft.com/office/drawing/2017/decorative" val="1"/>
+              </a:ext>
+            </a:extLst>
+          </p:cNvPr>
+          <p:cNvSpPr>
+            <a:spLocks noGrp="1" noRot="1" noChangeAspect="1" noMove="1" noResize="1" noEditPoints="1" noAdjustHandles="1" noChangeArrowheads="1" noChangeShapeType="1" noTextEdit="1"/>
+          </p:cNvSpPr>
+          <p:nvPr>
+            <p:extLst>
+              <p:ext uri="{386F3935-93C4-4BCD-93E2-E3B085C9AB24}">
+                <p16:designElem xmlns:p16="http://schemas.microsoft.com/office/powerpoint/2015/main" val="1"/>
+              </p:ext>
+            </p:extLst>
+          </p:nvPr>
+        </p:nvSpPr>
+        <p:spPr>
+          <a:xfrm>
+            <a:off x="8042147" y="453643"/>
+            <a:ext cx="3703320" cy="98554"/>
+          </a:xfrm>
+          <a:prstGeom prst="rect">
+            <a:avLst/>
+          </a:prstGeom>
+          <a:solidFill>
+            <a:schemeClr val="accent4"/>
+          </a:solidFill>
+          <a:ln>
+            <a:noFill/>
+          </a:ln>
+          <a:effectLst/>
+        </p:spPr>
+        <p:style>
+          <a:lnRef idx="1">
+            <a:schemeClr val="accent1"/>
+          </a:lnRef>
+          <a:fillRef idx="3">
+            <a:schemeClr val="accent1"/>
+          </a:fillRef>
+          <a:effectRef idx="2">
+            <a:schemeClr val="accent1"/>
+          </a:effectRef>
+          <a:fontRef idx="minor">
+            <a:schemeClr val="lt1"/>
+          </a:fontRef>
+        </p:style>
+      </p:sp>
+      <p:sp>
+        <p:nvSpPr>
+          <p:cNvPr id="14" name="Rectangle 13">
+            <a:extLst>
+              <a:ext uri="{FF2B5EF4-FFF2-40B4-BE49-F238E27FC236}">
+                <a16:creationId xmlns:a16="http://schemas.microsoft.com/office/drawing/2014/main" id="{41262CAC-6BC8-43F9-9113-770A2772F68C}"/>
+              </a:ext>
+              <a:ext uri="{C183D7F6-B498-43B3-948B-1728B52AA6E4}">
+                <adec:decorative xmlns:adec="http://schemas.microsoft.com/office/drawing/2017/decorative" val="1"/>
+              </a:ext>
+            </a:extLst>
+          </p:cNvPr>
+          <p:cNvSpPr>
+            <a:spLocks noGrp="1" noRot="1" noChangeAspect="1" noMove="1" noResize="1" noEditPoints="1" noAdjustHandles="1" noChangeArrowheads="1" noChangeShapeType="1" noTextEdit="1"/>
+          </p:cNvSpPr>
+          <p:nvPr>
+            <p:extLst>
+              <p:ext uri="{386F3935-93C4-4BCD-93E2-E3B085C9AB24}">
+                <p16:designElem xmlns:p16="http://schemas.microsoft.com/office/powerpoint/2015/main" val="1"/>
+              </p:ext>
+            </p:extLst>
+          </p:nvPr>
+        </p:nvSpPr>
+        <p:spPr>
+          <a:xfrm>
+            <a:off x="4241830" y="457200"/>
+            <a:ext cx="3703320" cy="91440"/>
+          </a:xfrm>
+          <a:prstGeom prst="rect">
+            <a:avLst/>
+          </a:prstGeom>
+          <a:solidFill>
+            <a:schemeClr val="accent2"/>
+          </a:solidFill>
+          <a:ln>
+            <a:noFill/>
+          </a:ln>
+          <a:effectLst/>
+        </p:spPr>
+        <p:style>
+          <a:lnRef idx="1">
+            <a:schemeClr val="accent1"/>
+          </a:lnRef>
+          <a:fillRef idx="3">
+            <a:schemeClr val="accent1"/>
+          </a:fillRef>
+          <a:effectRef idx="2">
+            <a:schemeClr val="accent1"/>
+          </a:effectRef>
+          <a:fontRef idx="minor">
+            <a:schemeClr val="lt1"/>
+          </a:fontRef>
+        </p:style>
+      </p:sp>
+      <p:sp>
+        <p:nvSpPr>
+          <p:cNvPr id="16" name="Rectangle 15">
+            <a:extLst>
+              <a:ext uri="{FF2B5EF4-FFF2-40B4-BE49-F238E27FC236}">
+                <a16:creationId xmlns:a16="http://schemas.microsoft.com/office/drawing/2014/main" id="{1AA2CCB6-DFD2-41CD-96FE-0140B793599F}"/>
+              </a:ext>
+              <a:ext uri="{C183D7F6-B498-43B3-948B-1728B52AA6E4}">
+                <adec:decorative xmlns:adec="http://schemas.microsoft.com/office/drawing/2017/decorative" val="1"/>
+              </a:ext>
+            </a:extLst>
+          </p:cNvPr>
+          <p:cNvSpPr>
+            <a:spLocks noGrp="1" noRot="1" noChangeAspect="1" noMove="1" noResize="1" noEditPoints="1" noAdjustHandles="1" noChangeArrowheads="1" noChangeShapeType="1" noTextEdit="1"/>
+          </p:cNvSpPr>
+          <p:nvPr>
+            <p:extLst>
+              <p:ext uri="{386F3935-93C4-4BCD-93E2-E3B085C9AB24}">
+                <p16:designElem xmlns:p16="http://schemas.microsoft.com/office/powerpoint/2015/main" val="1"/>
+              </p:ext>
+            </p:extLst>
+          </p:nvPr>
+        </p:nvSpPr>
+        <p:spPr>
+          <a:xfrm>
+            <a:off x="446534" y="3085765"/>
+            <a:ext cx="11262866" cy="3304800"/>
+          </a:xfrm>
+          <a:prstGeom prst="rect">
+            <a:avLst/>
+          </a:prstGeom>
+          <a:solidFill>
+            <a:schemeClr val="accent1"/>
+          </a:solidFill>
+          <a:ln>
+            <a:noFill/>
+          </a:ln>
+          <a:effectLst/>
+        </p:spPr>
+        <p:style>
+          <a:lnRef idx="1">
+            <a:schemeClr val="accent1"/>
+          </a:lnRef>
+          <a:fillRef idx="3">
+            <a:schemeClr val="accent1"/>
+          </a:fillRef>
+          <a:effectRef idx="2">
+            <a:schemeClr val="accent1"/>
+          </a:effectRef>
+          <a:fontRef idx="minor">
+            <a:schemeClr val="lt1"/>
+          </a:fontRef>
+        </p:style>
+      </p:sp>
+      <p:sp useBgFill="1">
+        <p:nvSpPr>
+          <p:cNvPr id="18" name="Rectangle 17">
+            <a:extLst>
+              <a:ext uri="{FF2B5EF4-FFF2-40B4-BE49-F238E27FC236}">
+                <a16:creationId xmlns:a16="http://schemas.microsoft.com/office/drawing/2014/main" id="{6A225C9B-755F-4F91-9681-5E07AFAA71F4}"/>
+              </a:ext>
+              <a:ext uri="{C183D7F6-B498-43B3-948B-1728B52AA6E4}">
+                <adec:decorative xmlns:adec="http://schemas.microsoft.com/office/drawing/2017/decorative" val="1"/>
+              </a:ext>
+            </a:extLst>
+          </p:cNvPr>
+          <p:cNvSpPr>
+            <a:spLocks noGrp="1" noRot="1" noChangeAspect="1" noMove="1" noResize="1" noEditPoints="1" noAdjustHandles="1" noChangeArrowheads="1" noChangeShapeType="1" noTextEdit="1"/>
+          </p:cNvSpPr>
+          <p:nvPr>
+            <p:extLst>
+              <p:ext uri="{386F3935-93C4-4BCD-93E2-E3B085C9AB24}">
+                <p16:designElem xmlns:p16="http://schemas.microsoft.com/office/powerpoint/2015/main" val="1"/>
+              </p:ext>
+            </p:extLst>
+          </p:nvPr>
+        </p:nvSpPr>
+        <p:spPr>
+          <a:xfrm>
+            <a:off x="0" y="638175"/>
+            <a:ext cx="12191999" cy="6219825"/>
+          </a:xfrm>
+          <a:prstGeom prst="rect">
+            <a:avLst/>
+          </a:prstGeom>
+          <a:ln>
+            <a:noFill/>
+          </a:ln>
+        </p:spPr>
+        <p:style>
+          <a:lnRef idx="2">
+            <a:schemeClr val="accent1">
+              <a:shade val="50000"/>
+            </a:schemeClr>
+          </a:lnRef>
+          <a:fillRef idx="1">
+            <a:schemeClr val="accent1"/>
+          </a:fillRef>
+          <a:effectRef idx="0">
+            <a:schemeClr val="accent1"/>
+          </a:effectRef>
+          <a:fontRef idx="minor">
+            <a:schemeClr val="lt1"/>
+          </a:fontRef>
+        </p:style>
+        <p:txBody>
+          <a:bodyPr rtlCol="0" anchor="ctr"/>
+          <a:lstStyle/>
+          <a:p>
+            <a:pPr algn="ctr"/>
+            <a:endParaRPr lang="en-US"/>
+          </a:p>
+        </p:txBody>
+      </p:sp>
+      <p:pic>
+        <p:nvPicPr>
+          <p:cNvPr id="7" name="Afbeelding 3">
+            <a:extLst>
+              <a:ext uri="{FF2B5EF4-FFF2-40B4-BE49-F238E27FC236}">
+                <a16:creationId xmlns:a16="http://schemas.microsoft.com/office/drawing/2014/main" id="{90EF9097-8232-4F15-AD8A-AF64451F25E1}"/>
+              </a:ext>
+            </a:extLst>
+          </p:cNvPr>
+          <p:cNvPicPr>
+            <a:picLocks noGrp="1" noChangeAspect="1"/>
+          </p:cNvPicPr>
+          <p:nvPr>
+            <p:ph idx="1"/>
+          </p:nvPr>
+        </p:nvPicPr>
+        <p:blipFill>
+          <a:blip r:embed="rId2"/>
+          <a:stretch>
+            <a:fillRect/>
+          </a:stretch>
+        </p:blipFill>
+        <p:spPr>
+          <a:xfrm>
+            <a:off x="3367848" y="1208531"/>
+            <a:ext cx="1645436" cy="4735069"/>
+          </a:xfrm>
+          <a:prstGeom prst="rect">
+            <a:avLst/>
+          </a:prstGeom>
+        </p:spPr>
+      </p:pic>
+      <p:sp>
+        <p:nvSpPr>
+          <p:cNvPr id="20" name="Rectangle 19">
+            <a:extLst>
+              <a:ext uri="{FF2B5EF4-FFF2-40B4-BE49-F238E27FC236}">
+                <a16:creationId xmlns:a16="http://schemas.microsoft.com/office/drawing/2014/main" id="{932CD2CD-6CF3-4EE9-A24A-A41D45DCF922}"/>
+              </a:ext>
+              <a:ext uri="{C183D7F6-B498-43B3-948B-1728B52AA6E4}">
+                <adec:decorative xmlns:adec="http://schemas.microsoft.com/office/drawing/2017/decorative" val="1"/>
+              </a:ext>
+            </a:extLst>
+          </p:cNvPr>
+          <p:cNvSpPr>
+            <a:spLocks noGrp="1" noRot="1" noChangeAspect="1" noMove="1" noResize="1" noEditPoints="1" noAdjustHandles="1" noChangeArrowheads="1" noChangeShapeType="1" noTextEdit="1"/>
+          </p:cNvSpPr>
+          <p:nvPr>
+            <p:extLst>
+              <p:ext uri="{386F3935-93C4-4BCD-93E2-E3B085C9AB24}">
+                <p16:designElem xmlns:p16="http://schemas.microsoft.com/office/powerpoint/2015/main" val="1"/>
+              </p:ext>
+            </p:extLst>
+          </p:nvPr>
+        </p:nvSpPr>
+        <p:spPr>
+          <a:xfrm>
+            <a:off x="8042147" y="723899"/>
+            <a:ext cx="3703320" cy="5666666"/>
+          </a:xfrm>
+          <a:prstGeom prst="rect">
+            <a:avLst/>
+          </a:prstGeom>
+          <a:solidFill>
+            <a:schemeClr val="accent1"/>
+          </a:solidFill>
+          <a:ln>
+            <a:noFill/>
+          </a:ln>
+          <a:effectLst/>
+        </p:spPr>
+        <p:style>
+          <a:lnRef idx="1">
+            <a:schemeClr val="accent1"/>
+          </a:lnRef>
+          <a:fillRef idx="3">
+            <a:schemeClr val="accent1"/>
+          </a:fillRef>
+          <a:effectRef idx="2">
+            <a:schemeClr val="accent1"/>
+          </a:effectRef>
+          <a:fontRef idx="minor">
+            <a:schemeClr val="lt1"/>
+          </a:fontRef>
+        </p:style>
+      </p:sp>
+      <p:sp>
+        <p:nvSpPr>
           <p:cNvPr id="2" name="Titel 1">
             <a:extLst>
               <a:ext uri="{FF2B5EF4-FFF2-40B4-BE49-F238E27FC236}">
-                <a16:creationId xmlns:a16="http://schemas.microsoft.com/office/drawing/2014/main" id="{B7ABE1DC-E0CB-43B7-926F-7BC87B1ABBB2}"/>
+                <a16:creationId xmlns:a16="http://schemas.microsoft.com/office/drawing/2014/main" id="{29ED3705-1D80-44D3-86C9-F3B7385E4ACD}"/>
               </a:ext>
             </a:extLst>
           </p:cNvPr>
@@ -5269,54 +5894,33 @@
             <p:ph type="title"/>
           </p:nvPr>
         </p:nvSpPr>
-        <p:spPr/>
-        <p:txBody>
-          <a:bodyPr/>
+        <p:spPr>
+          <a:xfrm>
+            <a:off x="8296275" y="1419225"/>
+            <a:ext cx="3081576" cy="2085869"/>
+          </a:xfrm>
+        </p:spPr>
+        <p:txBody>
+          <a:bodyPr vert="horz" lIns="91440" tIns="45720" rIns="91440" bIns="45720" rtlCol="0" anchor="b">
+            <a:normAutofit/>
+          </a:bodyPr>
           <a:lstStyle/>
           <a:p>
             <a:r>
-              <a:rPr lang="nl-BE" dirty="0"/>
-              <a:t>Software: Frequentieteller</a:t>
-            </a:r>
-            <a:endParaRPr lang="en-US" dirty="0"/>
-          </a:p>
-        </p:txBody>
-      </p:sp>
-      <p:sp>
-        <p:nvSpPr>
-          <p:cNvPr id="3" name="Tijdelijke aanduiding voor inhoud 2">
-            <a:extLst>
-              <a:ext uri="{FF2B5EF4-FFF2-40B4-BE49-F238E27FC236}">
-                <a16:creationId xmlns:a16="http://schemas.microsoft.com/office/drawing/2014/main" id="{AEC7BBC9-102B-42CB-859E-C22B16E23352}"/>
-              </a:ext>
-            </a:extLst>
-          </p:cNvPr>
-          <p:cNvSpPr>
-            <a:spLocks noGrp="1"/>
-          </p:cNvSpPr>
-          <p:nvPr>
-            <p:ph idx="1"/>
-          </p:nvPr>
-        </p:nvSpPr>
-        <p:spPr/>
-        <p:txBody>
-          <a:bodyPr/>
-          <a:lstStyle/>
-          <a:p>
-            <a:r>
-              <a:rPr lang="en-US" dirty="0">
-                <a:hlinkClick r:id="rId2" action="ppaction://hlinkfile"/>
+              <a:rPr lang="en-US" sz="3600">
+                <a:solidFill>
+                  <a:srgbClr val="FFFFFF"/>
+                </a:solidFill>
               </a:rPr>
-              <a:t>C:\Users\Robbe\Documents\GitHub\GIP-kruispunt-\frequentieteller\frequentieteller.ino</a:t>
-            </a:r>
-            <a:endParaRPr lang="en-US" dirty="0"/>
+              <a:t>Software: flowshart</a:t>
+            </a:r>
           </a:p>
         </p:txBody>
       </p:sp>
     </p:spTree>
     <p:extLst>
       <p:ext uri="{BB962C8B-B14F-4D97-AF65-F5344CB8AC3E}">
-        <p14:creationId xmlns:p14="http://schemas.microsoft.com/office/powerpoint/2010/main" val="121839935"/>
+        <p14:creationId xmlns:p14="http://schemas.microsoft.com/office/powerpoint/2010/main" val="2596809219"/>
       </p:ext>
     </p:extLst>
   </p:cSld>

--- a/Gip tussentijdse voorstelling.pptx
+++ b/Gip tussentijdse voorstelling.pptx
@@ -18,8 +18,9 @@
     <p:sldId id="269" r:id="rId12"/>
     <p:sldId id="271" r:id="rId13"/>
     <p:sldId id="270" r:id="rId14"/>
-    <p:sldId id="266" r:id="rId15"/>
-    <p:sldId id="267" r:id="rId16"/>
+    <p:sldId id="272" r:id="rId15"/>
+    <p:sldId id="266" r:id="rId16"/>
+    <p:sldId id="267" r:id="rId17"/>
   </p:sldIdLst>
   <p:sldSz cx="12192000" cy="6858000"/>
   <p:notesSz cx="6858000" cy="9144000"/>
@@ -372,7 +373,7 @@
             <a:fld id="{B61BEF0D-F0BB-DE4B-95CE-6DB70DBA9567}" type="datetimeFigureOut">
               <a:rPr lang="en-US" dirty="0"/>
               <a:pPr/>
-              <a:t>1/11/2019</a:t>
+              <a:t>1/15/2019</a:t>
             </a:fld>
             <a:endParaRPr lang="en-US" dirty="0"/>
           </a:p>
@@ -631,7 +632,7 @@
             <a:fld id="{B61BEF0D-F0BB-DE4B-95CE-6DB70DBA9567}" type="datetimeFigureOut">
               <a:rPr lang="en-US" dirty="0"/>
               <a:pPr/>
-              <a:t>1/11/2019</a:t>
+              <a:t>1/15/2019</a:t>
             </a:fld>
             <a:endParaRPr lang="en-US" dirty="0"/>
           </a:p>
@@ -863,7 +864,7 @@
             <a:fld id="{B61BEF0D-F0BB-DE4B-95CE-6DB70DBA9567}" type="datetimeFigureOut">
               <a:rPr lang="en-US" dirty="0"/>
               <a:pPr/>
-              <a:t>1/11/2019</a:t>
+              <a:t>1/15/2019</a:t>
             </a:fld>
             <a:endParaRPr lang="en-US" dirty="0"/>
           </a:p>
@@ -1100,7 +1101,7 @@
             <a:fld id="{B61BEF0D-F0BB-DE4B-95CE-6DB70DBA9567}" type="datetimeFigureOut">
               <a:rPr lang="en-US" dirty="0"/>
               <a:pPr/>
-              <a:t>1/11/2019</a:t>
+              <a:t>1/15/2019</a:t>
             </a:fld>
             <a:endParaRPr lang="en-US" dirty="0"/>
           </a:p>
@@ -1404,7 +1405,7 @@
             <a:fld id="{B61BEF0D-F0BB-DE4B-95CE-6DB70DBA9567}" type="datetimeFigureOut">
               <a:rPr lang="en-US" dirty="0"/>
               <a:pPr/>
-              <a:t>1/11/2019</a:t>
+              <a:t>1/15/2019</a:t>
             </a:fld>
             <a:endParaRPr lang="en-US" dirty="0"/>
           </a:p>
@@ -1703,7 +1704,7 @@
             <a:fld id="{B61BEF0D-F0BB-DE4B-95CE-6DB70DBA9567}" type="datetimeFigureOut">
               <a:rPr lang="en-US" dirty="0"/>
               <a:pPr/>
-              <a:t>1/11/2019</a:t>
+              <a:t>1/15/2019</a:t>
             </a:fld>
             <a:endParaRPr lang="en-US" dirty="0"/>
           </a:p>
@@ -2122,7 +2123,7 @@
             <a:fld id="{B61BEF0D-F0BB-DE4B-95CE-6DB70DBA9567}" type="datetimeFigureOut">
               <a:rPr lang="en-US" dirty="0"/>
               <a:pPr/>
-              <a:t>1/11/2019</a:t>
+              <a:t>1/15/2019</a:t>
             </a:fld>
             <a:endParaRPr lang="en-US" dirty="0"/>
           </a:p>
@@ -2281,7 +2282,7 @@
             <a:fld id="{B61BEF0D-F0BB-DE4B-95CE-6DB70DBA9567}" type="datetimeFigureOut">
               <a:rPr lang="en-US" dirty="0"/>
               <a:pPr/>
-              <a:t>1/11/2019</a:t>
+              <a:t>1/15/2019</a:t>
             </a:fld>
             <a:endParaRPr lang="en-US" dirty="0"/>
           </a:p>
@@ -2373,7 +2374,7 @@
             <a:fld id="{B61BEF0D-F0BB-DE4B-95CE-6DB70DBA9567}" type="datetimeFigureOut">
               <a:rPr lang="en-US" dirty="0"/>
               <a:pPr/>
-              <a:t>1/11/2019</a:t>
+              <a:t>1/15/2019</a:t>
             </a:fld>
             <a:endParaRPr lang="en-US" dirty="0"/>
           </a:p>
@@ -2748,7 +2749,7 @@
             <a:fld id="{B61BEF0D-F0BB-DE4B-95CE-6DB70DBA9567}" type="datetimeFigureOut">
               <a:rPr lang="en-US" dirty="0"/>
               <a:pPr/>
-              <a:t>1/11/2019</a:t>
+              <a:t>1/15/2019</a:t>
             </a:fld>
             <a:endParaRPr lang="en-US" dirty="0"/>
           </a:p>
@@ -3034,7 +3035,7 @@
             <a:fld id="{B61BEF0D-F0BB-DE4B-95CE-6DB70DBA9567}" type="datetimeFigureOut">
               <a:rPr lang="en-US" dirty="0"/>
               <a:pPr/>
-              <a:t>1/11/2019</a:t>
+              <a:t>1/15/2019</a:t>
             </a:fld>
             <a:endParaRPr lang="en-US" dirty="0"/>
           </a:p>
@@ -3242,7 +3243,7 @@
             <a:fld id="{B61BEF0D-F0BB-DE4B-95CE-6DB70DBA9567}" type="datetimeFigureOut">
               <a:rPr lang="en-US" dirty="0"/>
               <a:pPr/>
-              <a:t>1/11/2019</a:t>
+              <a:t>1/15/2019</a:t>
             </a:fld>
             <a:endParaRPr lang="en-US" dirty="0"/>
           </a:p>
@@ -3844,7 +3845,7 @@
           <p:cNvPr id="2" name="Titel 1">
             <a:extLst>
               <a:ext uri="{FF2B5EF4-FFF2-40B4-BE49-F238E27FC236}">
-                <a16:creationId xmlns:a16="http://schemas.microsoft.com/office/drawing/2014/main" id="{A7AB4439-D9DD-4DE9-A950-6AB9A64D6B51}"/>
+                <a16:creationId xmlns:a16="http://schemas.microsoft.com/office/drawing/2014/main" xmlns="" id="{A7AB4439-D9DD-4DE9-A950-6AB9A64D6B51}"/>
               </a:ext>
             </a:extLst>
           </p:cNvPr>
@@ -3874,6 +3875,10 @@
               <a:rPr lang="en-US" dirty="0" err="1"/>
               <a:t>zaken</a:t>
             </a:r>
+            <a:r>
+              <a:rPr lang="en-US" dirty="0"/>
+              <a:t/>
+            </a:r>
             <a:br>
               <a:rPr lang="en-US" dirty="0"/>
             </a:br>
@@ -3886,7 +3891,7 @@
           <p:cNvPr id="3" name="Ondertitel 2">
             <a:extLst>
               <a:ext uri="{FF2B5EF4-FFF2-40B4-BE49-F238E27FC236}">
-                <a16:creationId xmlns:a16="http://schemas.microsoft.com/office/drawing/2014/main" id="{33478E2D-A66A-446C-93A1-85854D704C0F}"/>
+                <a16:creationId xmlns:a16="http://schemas.microsoft.com/office/drawing/2014/main" xmlns="" id="{33478E2D-A66A-446C-93A1-85854D704C0F}"/>
               </a:ext>
             </a:extLst>
           </p:cNvPr>
@@ -3957,10 +3962,10 @@
           <p:cNvPr id="10" name="Rectangle 9">
             <a:extLst>
               <a:ext uri="{FF2B5EF4-FFF2-40B4-BE49-F238E27FC236}">
-                <a16:creationId xmlns:a16="http://schemas.microsoft.com/office/drawing/2014/main" id="{A499F183-99EE-4B1F-BA64-21A07922AE82}"/>
+                <a16:creationId xmlns:a16="http://schemas.microsoft.com/office/drawing/2014/main" xmlns="" id="{A499F183-99EE-4B1F-BA64-21A07922AE82}"/>
               </a:ext>
               <a:ext uri="{C183D7F6-B498-43B3-948B-1728B52AA6E4}">
-                <adec:decorative xmlns:adec="http://schemas.microsoft.com/office/drawing/2017/decorative" val="1"/>
+                <adec:decorative xmlns:adec="http://schemas.microsoft.com/office/drawing/2017/decorative" xmlns="" val="1"/>
               </a:ext>
             </a:extLst>
           </p:cNvPr>
@@ -3970,7 +3975,7 @@
           <p:nvPr>
             <p:extLst>
               <p:ext uri="{386F3935-93C4-4BCD-93E2-E3B085C9AB24}">
-                <p16:designElem xmlns:p16="http://schemas.microsoft.com/office/powerpoint/2015/main" val="1"/>
+                <p16:designElem xmlns:p16="http://schemas.microsoft.com/office/powerpoint/2015/main" xmlns="" val="1"/>
               </p:ext>
             </p:extLst>
           </p:nvPr>
@@ -4011,10 +4016,10 @@
           <p:cNvPr id="12" name="Rectangle 11">
             <a:extLst>
               <a:ext uri="{FF2B5EF4-FFF2-40B4-BE49-F238E27FC236}">
-                <a16:creationId xmlns:a16="http://schemas.microsoft.com/office/drawing/2014/main" id="{B783A767-5AFC-40D0-A72C-09036EA1726F}"/>
+                <a16:creationId xmlns:a16="http://schemas.microsoft.com/office/drawing/2014/main" xmlns="" id="{B783A767-5AFC-40D0-A72C-09036EA1726F}"/>
               </a:ext>
               <a:ext uri="{C183D7F6-B498-43B3-948B-1728B52AA6E4}">
-                <adec:decorative xmlns:adec="http://schemas.microsoft.com/office/drawing/2017/decorative" val="1"/>
+                <adec:decorative xmlns:adec="http://schemas.microsoft.com/office/drawing/2017/decorative" xmlns="" val="1"/>
               </a:ext>
             </a:extLst>
           </p:cNvPr>
@@ -4024,7 +4029,7 @@
           <p:nvPr>
             <p:extLst>
               <p:ext uri="{386F3935-93C4-4BCD-93E2-E3B085C9AB24}">
-                <p16:designElem xmlns:p16="http://schemas.microsoft.com/office/powerpoint/2015/main" val="1"/>
+                <p16:designElem xmlns:p16="http://schemas.microsoft.com/office/powerpoint/2015/main" xmlns="" val="1"/>
               </p:ext>
             </p:extLst>
           </p:nvPr>
@@ -4065,10 +4070,10 @@
           <p:cNvPr id="14" name="Rectangle 13">
             <a:extLst>
               <a:ext uri="{FF2B5EF4-FFF2-40B4-BE49-F238E27FC236}">
-                <a16:creationId xmlns:a16="http://schemas.microsoft.com/office/drawing/2014/main" id="{41262CAC-6BC8-43F9-9113-770A2772F68C}"/>
+                <a16:creationId xmlns:a16="http://schemas.microsoft.com/office/drawing/2014/main" xmlns="" id="{41262CAC-6BC8-43F9-9113-770A2772F68C}"/>
               </a:ext>
               <a:ext uri="{C183D7F6-B498-43B3-948B-1728B52AA6E4}">
-                <adec:decorative xmlns:adec="http://schemas.microsoft.com/office/drawing/2017/decorative" val="1"/>
+                <adec:decorative xmlns:adec="http://schemas.microsoft.com/office/drawing/2017/decorative" xmlns="" val="1"/>
               </a:ext>
             </a:extLst>
           </p:cNvPr>
@@ -4078,7 +4083,7 @@
           <p:nvPr>
             <p:extLst>
               <p:ext uri="{386F3935-93C4-4BCD-93E2-E3B085C9AB24}">
-                <p16:designElem xmlns:p16="http://schemas.microsoft.com/office/powerpoint/2015/main" val="1"/>
+                <p16:designElem xmlns:p16="http://schemas.microsoft.com/office/powerpoint/2015/main" xmlns="" val="1"/>
               </p:ext>
             </p:extLst>
           </p:nvPr>
@@ -4119,10 +4124,10 @@
           <p:cNvPr id="16" name="Rectangle 15">
             <a:extLst>
               <a:ext uri="{FF2B5EF4-FFF2-40B4-BE49-F238E27FC236}">
-                <a16:creationId xmlns:a16="http://schemas.microsoft.com/office/drawing/2014/main" id="{1AA2CCB6-DFD2-41CD-96FE-0140B793599F}"/>
+                <a16:creationId xmlns:a16="http://schemas.microsoft.com/office/drawing/2014/main" xmlns="" id="{1AA2CCB6-DFD2-41CD-96FE-0140B793599F}"/>
               </a:ext>
               <a:ext uri="{C183D7F6-B498-43B3-948B-1728B52AA6E4}">
-                <adec:decorative xmlns:adec="http://schemas.microsoft.com/office/drawing/2017/decorative" val="1"/>
+                <adec:decorative xmlns:adec="http://schemas.microsoft.com/office/drawing/2017/decorative" xmlns="" val="1"/>
               </a:ext>
             </a:extLst>
           </p:cNvPr>
@@ -4132,7 +4137,7 @@
           <p:nvPr>
             <p:extLst>
               <p:ext uri="{386F3935-93C4-4BCD-93E2-E3B085C9AB24}">
-                <p16:designElem xmlns:p16="http://schemas.microsoft.com/office/powerpoint/2015/main" val="1"/>
+                <p16:designElem xmlns:p16="http://schemas.microsoft.com/office/powerpoint/2015/main" xmlns="" val="1"/>
               </p:ext>
             </p:extLst>
           </p:nvPr>
@@ -4173,10 +4178,10 @@
           <p:cNvPr id="18" name="Rectangle 17">
             <a:extLst>
               <a:ext uri="{FF2B5EF4-FFF2-40B4-BE49-F238E27FC236}">
-                <a16:creationId xmlns:a16="http://schemas.microsoft.com/office/drawing/2014/main" id="{6A225C9B-755F-4F91-9681-5E07AFAA71F4}"/>
+                <a16:creationId xmlns:a16="http://schemas.microsoft.com/office/drawing/2014/main" xmlns="" id="{6A225C9B-755F-4F91-9681-5E07AFAA71F4}"/>
               </a:ext>
               <a:ext uri="{C183D7F6-B498-43B3-948B-1728B52AA6E4}">
-                <adec:decorative xmlns:adec="http://schemas.microsoft.com/office/drawing/2017/decorative" val="1"/>
+                <adec:decorative xmlns:adec="http://schemas.microsoft.com/office/drawing/2017/decorative" xmlns="" val="1"/>
               </a:ext>
             </a:extLst>
           </p:cNvPr>
@@ -4186,7 +4191,7 @@
           <p:nvPr>
             <p:extLst>
               <p:ext uri="{386F3935-93C4-4BCD-93E2-E3B085C9AB24}">
-                <p16:designElem xmlns:p16="http://schemas.microsoft.com/office/powerpoint/2015/main" val="1"/>
+                <p16:designElem xmlns:p16="http://schemas.microsoft.com/office/powerpoint/2015/main" xmlns="" val="1"/>
               </p:ext>
             </p:extLst>
           </p:nvPr>
@@ -4233,7 +4238,7 @@
           <p:cNvPr id="7" name="Afbeelding 3" descr="Afbeelding met tekst, kaart&#10;&#10;Beschrijving is gegenereerd met zeer hoge betrouwbaarheid">
             <a:extLst>
               <a:ext uri="{FF2B5EF4-FFF2-40B4-BE49-F238E27FC236}">
-                <a16:creationId xmlns:a16="http://schemas.microsoft.com/office/drawing/2014/main" id="{D4973838-47BA-4887-AA75-265E412D4EA6}"/>
+                <a16:creationId xmlns:a16="http://schemas.microsoft.com/office/drawing/2014/main" xmlns="" id="{D4973838-47BA-4887-AA75-265E412D4EA6}"/>
               </a:ext>
             </a:extLst>
           </p:cNvPr>
@@ -4265,10 +4270,10 @@
           <p:cNvPr id="20" name="Rectangle 19">
             <a:extLst>
               <a:ext uri="{FF2B5EF4-FFF2-40B4-BE49-F238E27FC236}">
-                <a16:creationId xmlns:a16="http://schemas.microsoft.com/office/drawing/2014/main" id="{932CD2CD-6CF3-4EE9-A24A-A41D45DCF922}"/>
+                <a16:creationId xmlns:a16="http://schemas.microsoft.com/office/drawing/2014/main" xmlns="" id="{932CD2CD-6CF3-4EE9-A24A-A41D45DCF922}"/>
               </a:ext>
               <a:ext uri="{C183D7F6-B498-43B3-948B-1728B52AA6E4}">
-                <adec:decorative xmlns:adec="http://schemas.microsoft.com/office/drawing/2017/decorative" val="1"/>
+                <adec:decorative xmlns:adec="http://schemas.microsoft.com/office/drawing/2017/decorative" xmlns="" val="1"/>
               </a:ext>
             </a:extLst>
           </p:cNvPr>
@@ -4278,7 +4283,7 @@
           <p:nvPr>
             <p:extLst>
               <p:ext uri="{386F3935-93C4-4BCD-93E2-E3B085C9AB24}">
-                <p16:designElem xmlns:p16="http://schemas.microsoft.com/office/powerpoint/2015/main" val="1"/>
+                <p16:designElem xmlns:p16="http://schemas.microsoft.com/office/powerpoint/2015/main" xmlns="" val="1"/>
               </p:ext>
             </p:extLst>
           </p:nvPr>
@@ -4319,7 +4324,7 @@
           <p:cNvPr id="2" name="Titel 1">
             <a:extLst>
               <a:ext uri="{FF2B5EF4-FFF2-40B4-BE49-F238E27FC236}">
-                <a16:creationId xmlns:a16="http://schemas.microsoft.com/office/drawing/2014/main" id="{7A333FF5-587C-4382-906F-CD9A6CC4F4CE}"/>
+                <a16:creationId xmlns:a16="http://schemas.microsoft.com/office/drawing/2014/main" xmlns="" id="{7A333FF5-587C-4382-906F-CD9A6CC4F4CE}"/>
               </a:ext>
             </a:extLst>
           </p:cNvPr>
@@ -4396,10 +4401,10 @@
           <p:cNvPr id="10" name="Rectangle 9">
             <a:extLst>
               <a:ext uri="{FF2B5EF4-FFF2-40B4-BE49-F238E27FC236}">
-                <a16:creationId xmlns:a16="http://schemas.microsoft.com/office/drawing/2014/main" id="{A499F183-99EE-4B1F-BA64-21A07922AE82}"/>
+                <a16:creationId xmlns:a16="http://schemas.microsoft.com/office/drawing/2014/main" xmlns="" id="{A499F183-99EE-4B1F-BA64-21A07922AE82}"/>
               </a:ext>
               <a:ext uri="{C183D7F6-B498-43B3-948B-1728B52AA6E4}">
-                <adec:decorative xmlns:adec="http://schemas.microsoft.com/office/drawing/2017/decorative" val="1"/>
+                <adec:decorative xmlns:adec="http://schemas.microsoft.com/office/drawing/2017/decorative" xmlns="" val="1"/>
               </a:ext>
             </a:extLst>
           </p:cNvPr>
@@ -4409,7 +4414,7 @@
           <p:nvPr>
             <p:extLst>
               <p:ext uri="{386F3935-93C4-4BCD-93E2-E3B085C9AB24}">
-                <p16:designElem xmlns:p16="http://schemas.microsoft.com/office/powerpoint/2015/main" val="1"/>
+                <p16:designElem xmlns:p16="http://schemas.microsoft.com/office/powerpoint/2015/main" xmlns="" val="1"/>
               </p:ext>
             </p:extLst>
           </p:nvPr>
@@ -4450,10 +4455,10 @@
           <p:cNvPr id="12" name="Rectangle 11">
             <a:extLst>
               <a:ext uri="{FF2B5EF4-FFF2-40B4-BE49-F238E27FC236}">
-                <a16:creationId xmlns:a16="http://schemas.microsoft.com/office/drawing/2014/main" id="{B783A767-5AFC-40D0-A72C-09036EA1726F}"/>
+                <a16:creationId xmlns:a16="http://schemas.microsoft.com/office/drawing/2014/main" xmlns="" id="{B783A767-5AFC-40D0-A72C-09036EA1726F}"/>
               </a:ext>
               <a:ext uri="{C183D7F6-B498-43B3-948B-1728B52AA6E4}">
-                <adec:decorative xmlns:adec="http://schemas.microsoft.com/office/drawing/2017/decorative" val="1"/>
+                <adec:decorative xmlns:adec="http://schemas.microsoft.com/office/drawing/2017/decorative" xmlns="" val="1"/>
               </a:ext>
             </a:extLst>
           </p:cNvPr>
@@ -4463,7 +4468,7 @@
           <p:nvPr>
             <p:extLst>
               <p:ext uri="{386F3935-93C4-4BCD-93E2-E3B085C9AB24}">
-                <p16:designElem xmlns:p16="http://schemas.microsoft.com/office/powerpoint/2015/main" val="1"/>
+                <p16:designElem xmlns:p16="http://schemas.microsoft.com/office/powerpoint/2015/main" xmlns="" val="1"/>
               </p:ext>
             </p:extLst>
           </p:nvPr>
@@ -4504,10 +4509,10 @@
           <p:cNvPr id="14" name="Rectangle 13">
             <a:extLst>
               <a:ext uri="{FF2B5EF4-FFF2-40B4-BE49-F238E27FC236}">
-                <a16:creationId xmlns:a16="http://schemas.microsoft.com/office/drawing/2014/main" id="{41262CAC-6BC8-43F9-9113-770A2772F68C}"/>
+                <a16:creationId xmlns:a16="http://schemas.microsoft.com/office/drawing/2014/main" xmlns="" id="{41262CAC-6BC8-43F9-9113-770A2772F68C}"/>
               </a:ext>
               <a:ext uri="{C183D7F6-B498-43B3-948B-1728B52AA6E4}">
-                <adec:decorative xmlns:adec="http://schemas.microsoft.com/office/drawing/2017/decorative" val="1"/>
+                <adec:decorative xmlns:adec="http://schemas.microsoft.com/office/drawing/2017/decorative" xmlns="" val="1"/>
               </a:ext>
             </a:extLst>
           </p:cNvPr>
@@ -4517,7 +4522,7 @@
           <p:nvPr>
             <p:extLst>
               <p:ext uri="{386F3935-93C4-4BCD-93E2-E3B085C9AB24}">
-                <p16:designElem xmlns:p16="http://schemas.microsoft.com/office/powerpoint/2015/main" val="1"/>
+                <p16:designElem xmlns:p16="http://schemas.microsoft.com/office/powerpoint/2015/main" xmlns="" val="1"/>
               </p:ext>
             </p:extLst>
           </p:nvPr>
@@ -4558,10 +4563,10 @@
           <p:cNvPr id="16" name="Rectangle 15">
             <a:extLst>
               <a:ext uri="{FF2B5EF4-FFF2-40B4-BE49-F238E27FC236}">
-                <a16:creationId xmlns:a16="http://schemas.microsoft.com/office/drawing/2014/main" id="{1AA2CCB6-DFD2-41CD-96FE-0140B793599F}"/>
+                <a16:creationId xmlns:a16="http://schemas.microsoft.com/office/drawing/2014/main" xmlns="" id="{1AA2CCB6-DFD2-41CD-96FE-0140B793599F}"/>
               </a:ext>
               <a:ext uri="{C183D7F6-B498-43B3-948B-1728B52AA6E4}">
-                <adec:decorative xmlns:adec="http://schemas.microsoft.com/office/drawing/2017/decorative" val="1"/>
+                <adec:decorative xmlns:adec="http://schemas.microsoft.com/office/drawing/2017/decorative" xmlns="" val="1"/>
               </a:ext>
             </a:extLst>
           </p:cNvPr>
@@ -4571,7 +4576,7 @@
           <p:nvPr>
             <p:extLst>
               <p:ext uri="{386F3935-93C4-4BCD-93E2-E3B085C9AB24}">
-                <p16:designElem xmlns:p16="http://schemas.microsoft.com/office/powerpoint/2015/main" val="1"/>
+                <p16:designElem xmlns:p16="http://schemas.microsoft.com/office/powerpoint/2015/main" xmlns="" val="1"/>
               </p:ext>
             </p:extLst>
           </p:nvPr>
@@ -4612,10 +4617,10 @@
           <p:cNvPr id="18" name="Rectangle 17">
             <a:extLst>
               <a:ext uri="{FF2B5EF4-FFF2-40B4-BE49-F238E27FC236}">
-                <a16:creationId xmlns:a16="http://schemas.microsoft.com/office/drawing/2014/main" id="{6A225C9B-755F-4F91-9681-5E07AFAA71F4}"/>
+                <a16:creationId xmlns:a16="http://schemas.microsoft.com/office/drawing/2014/main" xmlns="" id="{6A225C9B-755F-4F91-9681-5E07AFAA71F4}"/>
               </a:ext>
               <a:ext uri="{C183D7F6-B498-43B3-948B-1728B52AA6E4}">
-                <adec:decorative xmlns:adec="http://schemas.microsoft.com/office/drawing/2017/decorative" val="1"/>
+                <adec:decorative xmlns:adec="http://schemas.microsoft.com/office/drawing/2017/decorative" xmlns="" val="1"/>
               </a:ext>
             </a:extLst>
           </p:cNvPr>
@@ -4625,7 +4630,7 @@
           <p:nvPr>
             <p:extLst>
               <p:ext uri="{386F3935-93C4-4BCD-93E2-E3B085C9AB24}">
-                <p16:designElem xmlns:p16="http://schemas.microsoft.com/office/powerpoint/2015/main" val="1"/>
+                <p16:designElem xmlns:p16="http://schemas.microsoft.com/office/powerpoint/2015/main" xmlns="" val="1"/>
               </p:ext>
             </p:extLst>
           </p:nvPr>
@@ -4672,7 +4677,7 @@
           <p:cNvPr id="7" name="Afbeelding 3">
             <a:extLst>
               <a:ext uri="{FF2B5EF4-FFF2-40B4-BE49-F238E27FC236}">
-                <a16:creationId xmlns:a16="http://schemas.microsoft.com/office/drawing/2014/main" id="{6B51A1C0-235B-430C-85F0-2F48F1F409D9}"/>
+                <a16:creationId xmlns:a16="http://schemas.microsoft.com/office/drawing/2014/main" xmlns="" id="{6B51A1C0-235B-430C-85F0-2F48F1F409D9}"/>
               </a:ext>
             </a:extLst>
           </p:cNvPr>
@@ -4704,10 +4709,10 @@
           <p:cNvPr id="20" name="Rectangle 19">
             <a:extLst>
               <a:ext uri="{FF2B5EF4-FFF2-40B4-BE49-F238E27FC236}">
-                <a16:creationId xmlns:a16="http://schemas.microsoft.com/office/drawing/2014/main" id="{932CD2CD-6CF3-4EE9-A24A-A41D45DCF922}"/>
+                <a16:creationId xmlns:a16="http://schemas.microsoft.com/office/drawing/2014/main" xmlns="" id="{932CD2CD-6CF3-4EE9-A24A-A41D45DCF922}"/>
               </a:ext>
               <a:ext uri="{C183D7F6-B498-43B3-948B-1728B52AA6E4}">
-                <adec:decorative xmlns:adec="http://schemas.microsoft.com/office/drawing/2017/decorative" val="1"/>
+                <adec:decorative xmlns:adec="http://schemas.microsoft.com/office/drawing/2017/decorative" xmlns="" val="1"/>
               </a:ext>
             </a:extLst>
           </p:cNvPr>
@@ -4717,7 +4722,7 @@
           <p:nvPr>
             <p:extLst>
               <p:ext uri="{386F3935-93C4-4BCD-93E2-E3B085C9AB24}">
-                <p16:designElem xmlns:p16="http://schemas.microsoft.com/office/powerpoint/2015/main" val="1"/>
+                <p16:designElem xmlns:p16="http://schemas.microsoft.com/office/powerpoint/2015/main" xmlns="" val="1"/>
               </p:ext>
             </p:extLst>
           </p:nvPr>
@@ -4758,7 +4763,7 @@
           <p:cNvPr id="2" name="Titel 1">
             <a:extLst>
               <a:ext uri="{FF2B5EF4-FFF2-40B4-BE49-F238E27FC236}">
-                <a16:creationId xmlns:a16="http://schemas.microsoft.com/office/drawing/2014/main" id="{12DFA8BC-70DC-4231-ADD7-53EA1B618B97}"/>
+                <a16:creationId xmlns:a16="http://schemas.microsoft.com/office/drawing/2014/main" xmlns="" id="{12DFA8BC-70DC-4231-ADD7-53EA1B618B97}"/>
               </a:ext>
             </a:extLst>
           </p:cNvPr>
@@ -4835,10 +4840,10 @@
           <p:cNvPr id="9" name="Rectangle 8">
             <a:extLst>
               <a:ext uri="{FF2B5EF4-FFF2-40B4-BE49-F238E27FC236}">
-                <a16:creationId xmlns:a16="http://schemas.microsoft.com/office/drawing/2014/main" id="{66D08039-6C4E-4870-9E3D-6218263DE95D}"/>
+                <a16:creationId xmlns:a16="http://schemas.microsoft.com/office/drawing/2014/main" xmlns="" id="{66D08039-6C4E-4870-9E3D-6218263DE95D}"/>
               </a:ext>
               <a:ext uri="{C183D7F6-B498-43B3-948B-1728B52AA6E4}">
-                <adec:decorative xmlns:adec="http://schemas.microsoft.com/office/drawing/2017/decorative" val="1"/>
+                <adec:decorative xmlns:adec="http://schemas.microsoft.com/office/drawing/2017/decorative" xmlns="" val="1"/>
               </a:ext>
             </a:extLst>
           </p:cNvPr>
@@ -4848,7 +4853,7 @@
           <p:nvPr>
             <p:extLst>
               <p:ext uri="{386F3935-93C4-4BCD-93E2-E3B085C9AB24}">
-                <p16:designElem xmlns:p16="http://schemas.microsoft.com/office/powerpoint/2015/main" val="1"/>
+                <p16:designElem xmlns:p16="http://schemas.microsoft.com/office/powerpoint/2015/main" xmlns="" val="1"/>
               </p:ext>
             </p:extLst>
           </p:nvPr>
@@ -4889,10 +4894,10 @@
           <p:cNvPr id="11" name="Rectangle 10">
             <a:extLst>
               <a:ext uri="{FF2B5EF4-FFF2-40B4-BE49-F238E27FC236}">
-                <a16:creationId xmlns:a16="http://schemas.microsoft.com/office/drawing/2014/main" id="{9FB31D2E-CBC8-4C4A-917F-DCB48EAEB08A}"/>
+                <a16:creationId xmlns:a16="http://schemas.microsoft.com/office/drawing/2014/main" xmlns="" id="{9FB31D2E-CBC8-4C4A-917F-DCB48EAEB08A}"/>
               </a:ext>
               <a:ext uri="{C183D7F6-B498-43B3-948B-1728B52AA6E4}">
-                <adec:decorative xmlns:adec="http://schemas.microsoft.com/office/drawing/2017/decorative" val="1"/>
+                <adec:decorative xmlns:adec="http://schemas.microsoft.com/office/drawing/2017/decorative" xmlns="" val="1"/>
               </a:ext>
             </a:extLst>
           </p:cNvPr>
@@ -4902,7 +4907,7 @@
           <p:nvPr>
             <p:extLst>
               <p:ext uri="{386F3935-93C4-4BCD-93E2-E3B085C9AB24}">
-                <p16:designElem xmlns:p16="http://schemas.microsoft.com/office/powerpoint/2015/main" val="1"/>
+                <p16:designElem xmlns:p16="http://schemas.microsoft.com/office/powerpoint/2015/main" xmlns="" val="1"/>
               </p:ext>
             </p:extLst>
           </p:nvPr>
@@ -4943,10 +4948,10 @@
           <p:cNvPr id="13" name="Rectangle 12">
             <a:extLst>
               <a:ext uri="{FF2B5EF4-FFF2-40B4-BE49-F238E27FC236}">
-                <a16:creationId xmlns:a16="http://schemas.microsoft.com/office/drawing/2014/main" id="{FCCF4F09-0D96-42BE-AE16-84AB4E0B5674}"/>
+                <a16:creationId xmlns:a16="http://schemas.microsoft.com/office/drawing/2014/main" xmlns="" id="{FCCF4F09-0D96-42BE-AE16-84AB4E0B5674}"/>
               </a:ext>
               <a:ext uri="{C183D7F6-B498-43B3-948B-1728B52AA6E4}">
-                <adec:decorative xmlns:adec="http://schemas.microsoft.com/office/drawing/2017/decorative" val="1"/>
+                <adec:decorative xmlns:adec="http://schemas.microsoft.com/office/drawing/2017/decorative" xmlns="" val="1"/>
               </a:ext>
             </a:extLst>
           </p:cNvPr>
@@ -4956,7 +4961,7 @@
           <p:nvPr>
             <p:extLst>
               <p:ext uri="{386F3935-93C4-4BCD-93E2-E3B085C9AB24}">
-                <p16:designElem xmlns:p16="http://schemas.microsoft.com/office/powerpoint/2015/main" val="1"/>
+                <p16:designElem xmlns:p16="http://schemas.microsoft.com/office/powerpoint/2015/main" xmlns="" val="1"/>
               </p:ext>
             </p:extLst>
           </p:nvPr>
@@ -4997,10 +5002,10 @@
           <p:cNvPr id="15" name="Rectangle 14">
             <a:extLst>
               <a:ext uri="{FF2B5EF4-FFF2-40B4-BE49-F238E27FC236}">
-                <a16:creationId xmlns:a16="http://schemas.microsoft.com/office/drawing/2014/main" id="{21AF87EE-372A-438E-B086-63D494ECA27E}"/>
+                <a16:creationId xmlns:a16="http://schemas.microsoft.com/office/drawing/2014/main" xmlns="" id="{21AF87EE-372A-438E-B086-63D494ECA27E}"/>
               </a:ext>
               <a:ext uri="{C183D7F6-B498-43B3-948B-1728B52AA6E4}">
-                <adec:decorative xmlns:adec="http://schemas.microsoft.com/office/drawing/2017/decorative" val="1"/>
+                <adec:decorative xmlns:adec="http://schemas.microsoft.com/office/drawing/2017/decorative" xmlns="" val="1"/>
               </a:ext>
             </a:extLst>
           </p:cNvPr>
@@ -5010,7 +5015,7 @@
           <p:nvPr>
             <p:extLst>
               <p:ext uri="{386F3935-93C4-4BCD-93E2-E3B085C9AB24}">
-                <p16:designElem xmlns:p16="http://schemas.microsoft.com/office/powerpoint/2015/main" val="1"/>
+                <p16:designElem xmlns:p16="http://schemas.microsoft.com/office/powerpoint/2015/main" xmlns="" val="1"/>
               </p:ext>
             </p:extLst>
           </p:nvPr>
@@ -5051,10 +5056,10 @@
           <p:cNvPr id="17" name="Rectangle 16">
             <a:extLst>
               <a:ext uri="{FF2B5EF4-FFF2-40B4-BE49-F238E27FC236}">
-                <a16:creationId xmlns:a16="http://schemas.microsoft.com/office/drawing/2014/main" id="{5A990F04-D677-4DB7-9922-D31D61E3E32A}"/>
+                <a16:creationId xmlns:a16="http://schemas.microsoft.com/office/drawing/2014/main" xmlns="" id="{5A990F04-D677-4DB7-9922-D31D61E3E32A}"/>
               </a:ext>
               <a:ext uri="{C183D7F6-B498-43B3-948B-1728B52AA6E4}">
-                <adec:decorative xmlns:adec="http://schemas.microsoft.com/office/drawing/2017/decorative" val="1"/>
+                <adec:decorative xmlns:adec="http://schemas.microsoft.com/office/drawing/2017/decorative" xmlns="" val="1"/>
               </a:ext>
             </a:extLst>
           </p:cNvPr>
@@ -5064,7 +5069,7 @@
           <p:nvPr>
             <p:extLst>
               <p:ext uri="{386F3935-93C4-4BCD-93E2-E3B085C9AB24}">
-                <p16:designElem xmlns:p16="http://schemas.microsoft.com/office/powerpoint/2015/main" val="1"/>
+                <p16:designElem xmlns:p16="http://schemas.microsoft.com/office/powerpoint/2015/main" xmlns="" val="1"/>
               </p:ext>
             </p:extLst>
           </p:nvPr>
@@ -5111,10 +5116,10 @@
           <p:cNvPr id="19" name="Rectangle 18">
             <a:extLst>
               <a:ext uri="{FF2B5EF4-FFF2-40B4-BE49-F238E27FC236}">
-                <a16:creationId xmlns:a16="http://schemas.microsoft.com/office/drawing/2014/main" id="{E45C779D-4C6F-4D65-ACDE-D700D5677F5E}"/>
+                <a16:creationId xmlns:a16="http://schemas.microsoft.com/office/drawing/2014/main" xmlns="" id="{E45C779D-4C6F-4D65-ACDE-D700D5677F5E}"/>
               </a:ext>
               <a:ext uri="{C183D7F6-B498-43B3-948B-1728B52AA6E4}">
-                <adec:decorative xmlns:adec="http://schemas.microsoft.com/office/drawing/2017/decorative" val="1"/>
+                <adec:decorative xmlns:adec="http://schemas.microsoft.com/office/drawing/2017/decorative" xmlns="" val="1"/>
               </a:ext>
             </a:extLst>
           </p:cNvPr>
@@ -5124,7 +5129,7 @@
           <p:nvPr>
             <p:extLst>
               <p:ext uri="{386F3935-93C4-4BCD-93E2-E3B085C9AB24}">
-                <p16:designElem xmlns:p16="http://schemas.microsoft.com/office/powerpoint/2015/main" val="1"/>
+                <p16:designElem xmlns:p16="http://schemas.microsoft.com/office/powerpoint/2015/main" xmlns="" val="1"/>
               </p:ext>
             </p:extLst>
           </p:nvPr>
@@ -5171,7 +5176,7 @@
           <p:cNvPr id="4" name="Tijdelijke aanduiding voor inhoud 3">
             <a:extLst>
               <a:ext uri="{FF2B5EF4-FFF2-40B4-BE49-F238E27FC236}">
-                <a16:creationId xmlns:a16="http://schemas.microsoft.com/office/drawing/2014/main" id="{8DACB918-2D6C-454A-BE70-347F6BA9BCC1}"/>
+                <a16:creationId xmlns:a16="http://schemas.microsoft.com/office/drawing/2014/main" xmlns="" id="{8DACB918-2D6C-454A-BE70-347F6BA9BCC1}"/>
               </a:ext>
             </a:extLst>
           </p:cNvPr>
@@ -5202,10 +5207,10 @@
           <p:cNvPr id="21" name="Rectangle 20">
             <a:extLst>
               <a:ext uri="{FF2B5EF4-FFF2-40B4-BE49-F238E27FC236}">
-                <a16:creationId xmlns:a16="http://schemas.microsoft.com/office/drawing/2014/main" id="{9C51B322-BAD9-40C0-BB3B-567DE59B233F}"/>
+                <a16:creationId xmlns:a16="http://schemas.microsoft.com/office/drawing/2014/main" xmlns="" id="{9C51B322-BAD9-40C0-BB3B-567DE59B233F}"/>
               </a:ext>
               <a:ext uri="{C183D7F6-B498-43B3-948B-1728B52AA6E4}">
-                <adec:decorative xmlns:adec="http://schemas.microsoft.com/office/drawing/2017/decorative" val="1"/>
+                <adec:decorative xmlns:adec="http://schemas.microsoft.com/office/drawing/2017/decorative" xmlns="" val="1"/>
               </a:ext>
             </a:extLst>
           </p:cNvPr>
@@ -5215,7 +5220,7 @@
           <p:nvPr>
             <p:extLst>
               <p:ext uri="{386F3935-93C4-4BCD-93E2-E3B085C9AB24}">
-                <p16:designElem xmlns:p16="http://schemas.microsoft.com/office/powerpoint/2015/main" val="1"/>
+                <p16:designElem xmlns:p16="http://schemas.microsoft.com/office/powerpoint/2015/main" xmlns="" val="1"/>
               </p:ext>
             </p:extLst>
           </p:nvPr>
@@ -5256,7 +5261,7 @@
           <p:cNvPr id="2" name="Titel 1">
             <a:extLst>
               <a:ext uri="{FF2B5EF4-FFF2-40B4-BE49-F238E27FC236}">
-                <a16:creationId xmlns:a16="http://schemas.microsoft.com/office/drawing/2014/main" id="{49CD22E4-1A7E-4F2F-9B81-5048BAEE6001}"/>
+                <a16:creationId xmlns:a16="http://schemas.microsoft.com/office/drawing/2014/main" xmlns="" id="{49CD22E4-1A7E-4F2F-9B81-5048BAEE6001}"/>
               </a:ext>
             </a:extLst>
           </p:cNvPr>
@@ -5295,10 +5300,10 @@
           <p:cNvPr id="23" name="Group 22">
             <a:extLst>
               <a:ext uri="{FF2B5EF4-FFF2-40B4-BE49-F238E27FC236}">
-                <a16:creationId xmlns:a16="http://schemas.microsoft.com/office/drawing/2014/main" id="{4F0C6271-47D7-4964-A505-71C87C0CA24C}"/>
+                <a16:creationId xmlns:a16="http://schemas.microsoft.com/office/drawing/2014/main" xmlns="" id="{4F0C6271-47D7-4964-A505-71C87C0CA24C}"/>
               </a:ext>
               <a:ext uri="{C183D7F6-B498-43B3-948B-1728B52AA6E4}">
-                <adec:decorative xmlns:adec="http://schemas.microsoft.com/office/drawing/2017/decorative" val="1"/>
+                <adec:decorative xmlns:adec="http://schemas.microsoft.com/office/drawing/2017/decorative" xmlns="" val="1"/>
               </a:ext>
             </a:extLst>
           </p:cNvPr>
@@ -5308,7 +5313,7 @@
           <p:nvPr>
             <p:extLst>
               <p:ext uri="{386F3935-93C4-4BCD-93E2-E3B085C9AB24}">
-                <p16:designElem xmlns:p16="http://schemas.microsoft.com/office/powerpoint/2015/main" val="1"/>
+                <p16:designElem xmlns:p16="http://schemas.microsoft.com/office/powerpoint/2015/main" xmlns="" val="1"/>
               </p:ext>
             </p:extLst>
           </p:nvPr>
@@ -5326,10 +5331,10 @@
             <p:cNvPr id="24" name="Rectangle 23">
               <a:extLst>
                 <a:ext uri="{FF2B5EF4-FFF2-40B4-BE49-F238E27FC236}">
-                  <a16:creationId xmlns:a16="http://schemas.microsoft.com/office/drawing/2014/main" id="{FAE67D4F-6BA5-4F2E-B41B-B8553908BDBA}"/>
+                  <a16:creationId xmlns:a16="http://schemas.microsoft.com/office/drawing/2014/main" xmlns="" id="{FAE67D4F-6BA5-4F2E-B41B-B8553908BDBA}"/>
                 </a:ext>
                 <a:ext uri="{C183D7F6-B498-43B3-948B-1728B52AA6E4}">
-                  <adec:decorative xmlns:adec="http://schemas.microsoft.com/office/drawing/2017/decorative" val="1"/>
+                  <adec:decorative xmlns:adec="http://schemas.microsoft.com/office/drawing/2017/decorative" xmlns="" val="1"/>
                 </a:ext>
               </a:extLst>
             </p:cNvPr>
@@ -5337,7 +5342,7 @@
             <p:nvPr>
               <p:extLst>
                 <p:ext uri="{386F3935-93C4-4BCD-93E2-E3B085C9AB24}">
-                  <p16:designElem xmlns:p16="http://schemas.microsoft.com/office/powerpoint/2015/main" val="1"/>
+                  <p16:designElem xmlns:p16="http://schemas.microsoft.com/office/powerpoint/2015/main" xmlns="" val="1"/>
                 </p:ext>
               </p:extLst>
             </p:nvPr>
@@ -5378,10 +5383,10 @@
             <p:cNvPr id="25" name="Rectangle 24">
               <a:extLst>
                 <a:ext uri="{FF2B5EF4-FFF2-40B4-BE49-F238E27FC236}">
-                  <a16:creationId xmlns:a16="http://schemas.microsoft.com/office/drawing/2014/main" id="{BA2C8C5E-4349-46A8-9896-F2124F6874B6}"/>
+                  <a16:creationId xmlns:a16="http://schemas.microsoft.com/office/drawing/2014/main" xmlns="" id="{BA2C8C5E-4349-46A8-9896-F2124F6874B6}"/>
                 </a:ext>
                 <a:ext uri="{C183D7F6-B498-43B3-948B-1728B52AA6E4}">
-                  <adec:decorative xmlns:adec="http://schemas.microsoft.com/office/drawing/2017/decorative" val="1"/>
+                  <adec:decorative xmlns:adec="http://schemas.microsoft.com/office/drawing/2017/decorative" xmlns="" val="1"/>
                 </a:ext>
               </a:extLst>
             </p:cNvPr>
@@ -5389,7 +5394,7 @@
             <p:nvPr>
               <p:extLst>
                 <p:ext uri="{386F3935-93C4-4BCD-93E2-E3B085C9AB24}">
-                  <p16:designElem xmlns:p16="http://schemas.microsoft.com/office/powerpoint/2015/main" val="1"/>
+                  <p16:designElem xmlns:p16="http://schemas.microsoft.com/office/powerpoint/2015/main" xmlns="" val="1"/>
                 </p:ext>
               </p:extLst>
             </p:nvPr>
@@ -5430,10 +5435,10 @@
             <p:cNvPr id="26" name="Rectangle 25">
               <a:extLst>
                 <a:ext uri="{FF2B5EF4-FFF2-40B4-BE49-F238E27FC236}">
-                  <a16:creationId xmlns:a16="http://schemas.microsoft.com/office/drawing/2014/main" id="{6C0191E3-F755-4E2E-8AF9-3F7F5D9A264B}"/>
+                  <a16:creationId xmlns:a16="http://schemas.microsoft.com/office/drawing/2014/main" xmlns="" id="{6C0191E3-F755-4E2E-8AF9-3F7F5D9A264B}"/>
                 </a:ext>
                 <a:ext uri="{C183D7F6-B498-43B3-948B-1728B52AA6E4}">
-                  <adec:decorative xmlns:adec="http://schemas.microsoft.com/office/drawing/2017/decorative" val="1"/>
+                  <adec:decorative xmlns:adec="http://schemas.microsoft.com/office/drawing/2017/decorative" xmlns="" val="1"/>
                 </a:ext>
               </a:extLst>
             </p:cNvPr>
@@ -5441,7 +5446,7 @@
             <p:nvPr>
               <p:extLst>
                 <p:ext uri="{386F3935-93C4-4BCD-93E2-E3B085C9AB24}">
-                  <p16:designElem xmlns:p16="http://schemas.microsoft.com/office/powerpoint/2015/main" val="1"/>
+                  <p16:designElem xmlns:p16="http://schemas.microsoft.com/office/powerpoint/2015/main" xmlns="" val="1"/>
                 </p:ext>
               </p:extLst>
             </p:nvPr>
@@ -5521,10 +5526,10 @@
           <p:cNvPr id="10" name="Rectangle 9">
             <a:extLst>
               <a:ext uri="{FF2B5EF4-FFF2-40B4-BE49-F238E27FC236}">
-                <a16:creationId xmlns:a16="http://schemas.microsoft.com/office/drawing/2014/main" id="{A499F183-99EE-4B1F-BA64-21A07922AE82}"/>
+                <a16:creationId xmlns:a16="http://schemas.microsoft.com/office/drawing/2014/main" xmlns="" id="{A499F183-99EE-4B1F-BA64-21A07922AE82}"/>
               </a:ext>
               <a:ext uri="{C183D7F6-B498-43B3-948B-1728B52AA6E4}">
-                <adec:decorative xmlns:adec="http://schemas.microsoft.com/office/drawing/2017/decorative" val="1"/>
+                <adec:decorative xmlns:adec="http://schemas.microsoft.com/office/drawing/2017/decorative" xmlns="" val="1"/>
               </a:ext>
             </a:extLst>
           </p:cNvPr>
@@ -5534,7 +5539,7 @@
           <p:nvPr>
             <p:extLst>
               <p:ext uri="{386F3935-93C4-4BCD-93E2-E3B085C9AB24}">
-                <p16:designElem xmlns:p16="http://schemas.microsoft.com/office/powerpoint/2015/main" val="1"/>
+                <p16:designElem xmlns:p16="http://schemas.microsoft.com/office/powerpoint/2015/main" xmlns="" val="1"/>
               </p:ext>
             </p:extLst>
           </p:nvPr>
@@ -5575,10 +5580,10 @@
           <p:cNvPr id="12" name="Rectangle 11">
             <a:extLst>
               <a:ext uri="{FF2B5EF4-FFF2-40B4-BE49-F238E27FC236}">
-                <a16:creationId xmlns:a16="http://schemas.microsoft.com/office/drawing/2014/main" id="{B783A767-5AFC-40D0-A72C-09036EA1726F}"/>
+                <a16:creationId xmlns:a16="http://schemas.microsoft.com/office/drawing/2014/main" xmlns="" id="{B783A767-5AFC-40D0-A72C-09036EA1726F}"/>
               </a:ext>
               <a:ext uri="{C183D7F6-B498-43B3-948B-1728B52AA6E4}">
-                <adec:decorative xmlns:adec="http://schemas.microsoft.com/office/drawing/2017/decorative" val="1"/>
+                <adec:decorative xmlns:adec="http://schemas.microsoft.com/office/drawing/2017/decorative" xmlns="" val="1"/>
               </a:ext>
             </a:extLst>
           </p:cNvPr>
@@ -5588,7 +5593,7 @@
           <p:nvPr>
             <p:extLst>
               <p:ext uri="{386F3935-93C4-4BCD-93E2-E3B085C9AB24}">
-                <p16:designElem xmlns:p16="http://schemas.microsoft.com/office/powerpoint/2015/main" val="1"/>
+                <p16:designElem xmlns:p16="http://schemas.microsoft.com/office/powerpoint/2015/main" xmlns="" val="1"/>
               </p:ext>
             </p:extLst>
           </p:nvPr>
@@ -5629,10 +5634,10 @@
           <p:cNvPr id="14" name="Rectangle 13">
             <a:extLst>
               <a:ext uri="{FF2B5EF4-FFF2-40B4-BE49-F238E27FC236}">
-                <a16:creationId xmlns:a16="http://schemas.microsoft.com/office/drawing/2014/main" id="{41262CAC-6BC8-43F9-9113-770A2772F68C}"/>
+                <a16:creationId xmlns:a16="http://schemas.microsoft.com/office/drawing/2014/main" xmlns="" id="{41262CAC-6BC8-43F9-9113-770A2772F68C}"/>
               </a:ext>
               <a:ext uri="{C183D7F6-B498-43B3-948B-1728B52AA6E4}">
-                <adec:decorative xmlns:adec="http://schemas.microsoft.com/office/drawing/2017/decorative" val="1"/>
+                <adec:decorative xmlns:adec="http://schemas.microsoft.com/office/drawing/2017/decorative" xmlns="" val="1"/>
               </a:ext>
             </a:extLst>
           </p:cNvPr>
@@ -5642,7 +5647,7 @@
           <p:nvPr>
             <p:extLst>
               <p:ext uri="{386F3935-93C4-4BCD-93E2-E3B085C9AB24}">
-                <p16:designElem xmlns:p16="http://schemas.microsoft.com/office/powerpoint/2015/main" val="1"/>
+                <p16:designElem xmlns:p16="http://schemas.microsoft.com/office/powerpoint/2015/main" xmlns="" val="1"/>
               </p:ext>
             </p:extLst>
           </p:nvPr>
@@ -5683,10 +5688,10 @@
           <p:cNvPr id="16" name="Rectangle 15">
             <a:extLst>
               <a:ext uri="{FF2B5EF4-FFF2-40B4-BE49-F238E27FC236}">
-                <a16:creationId xmlns:a16="http://schemas.microsoft.com/office/drawing/2014/main" id="{1AA2CCB6-DFD2-41CD-96FE-0140B793599F}"/>
+                <a16:creationId xmlns:a16="http://schemas.microsoft.com/office/drawing/2014/main" xmlns="" id="{1AA2CCB6-DFD2-41CD-96FE-0140B793599F}"/>
               </a:ext>
               <a:ext uri="{C183D7F6-B498-43B3-948B-1728B52AA6E4}">
-                <adec:decorative xmlns:adec="http://schemas.microsoft.com/office/drawing/2017/decorative" val="1"/>
+                <adec:decorative xmlns:adec="http://schemas.microsoft.com/office/drawing/2017/decorative" xmlns="" val="1"/>
               </a:ext>
             </a:extLst>
           </p:cNvPr>
@@ -5696,7 +5701,7 @@
           <p:nvPr>
             <p:extLst>
               <p:ext uri="{386F3935-93C4-4BCD-93E2-E3B085C9AB24}">
-                <p16:designElem xmlns:p16="http://schemas.microsoft.com/office/powerpoint/2015/main" val="1"/>
+                <p16:designElem xmlns:p16="http://schemas.microsoft.com/office/powerpoint/2015/main" xmlns="" val="1"/>
               </p:ext>
             </p:extLst>
           </p:nvPr>
@@ -5737,10 +5742,10 @@
           <p:cNvPr id="18" name="Rectangle 17">
             <a:extLst>
               <a:ext uri="{FF2B5EF4-FFF2-40B4-BE49-F238E27FC236}">
-                <a16:creationId xmlns:a16="http://schemas.microsoft.com/office/drawing/2014/main" id="{6A225C9B-755F-4F91-9681-5E07AFAA71F4}"/>
+                <a16:creationId xmlns:a16="http://schemas.microsoft.com/office/drawing/2014/main" xmlns="" id="{6A225C9B-755F-4F91-9681-5E07AFAA71F4}"/>
               </a:ext>
               <a:ext uri="{C183D7F6-B498-43B3-948B-1728B52AA6E4}">
-                <adec:decorative xmlns:adec="http://schemas.microsoft.com/office/drawing/2017/decorative" val="1"/>
+                <adec:decorative xmlns:adec="http://schemas.microsoft.com/office/drawing/2017/decorative" xmlns="" val="1"/>
               </a:ext>
             </a:extLst>
           </p:cNvPr>
@@ -5750,7 +5755,7 @@
           <p:nvPr>
             <p:extLst>
               <p:ext uri="{386F3935-93C4-4BCD-93E2-E3B085C9AB24}">
-                <p16:designElem xmlns:p16="http://schemas.microsoft.com/office/powerpoint/2015/main" val="1"/>
+                <p16:designElem xmlns:p16="http://schemas.microsoft.com/office/powerpoint/2015/main" xmlns="" val="1"/>
               </p:ext>
             </p:extLst>
           </p:nvPr>
@@ -5797,7 +5802,7 @@
           <p:cNvPr id="7" name="Afbeelding 3">
             <a:extLst>
               <a:ext uri="{FF2B5EF4-FFF2-40B4-BE49-F238E27FC236}">
-                <a16:creationId xmlns:a16="http://schemas.microsoft.com/office/drawing/2014/main" id="{90EF9097-8232-4F15-AD8A-AF64451F25E1}"/>
+                <a16:creationId xmlns:a16="http://schemas.microsoft.com/office/drawing/2014/main" xmlns="" id="{90EF9097-8232-4F15-AD8A-AF64451F25E1}"/>
               </a:ext>
             </a:extLst>
           </p:cNvPr>
@@ -5829,10 +5834,10 @@
           <p:cNvPr id="20" name="Rectangle 19">
             <a:extLst>
               <a:ext uri="{FF2B5EF4-FFF2-40B4-BE49-F238E27FC236}">
-                <a16:creationId xmlns:a16="http://schemas.microsoft.com/office/drawing/2014/main" id="{932CD2CD-6CF3-4EE9-A24A-A41D45DCF922}"/>
+                <a16:creationId xmlns:a16="http://schemas.microsoft.com/office/drawing/2014/main" xmlns="" id="{932CD2CD-6CF3-4EE9-A24A-A41D45DCF922}"/>
               </a:ext>
               <a:ext uri="{C183D7F6-B498-43B3-948B-1728B52AA6E4}">
-                <adec:decorative xmlns:adec="http://schemas.microsoft.com/office/drawing/2017/decorative" val="1"/>
+                <adec:decorative xmlns:adec="http://schemas.microsoft.com/office/drawing/2017/decorative" xmlns="" val="1"/>
               </a:ext>
             </a:extLst>
           </p:cNvPr>
@@ -5842,7 +5847,7 @@
           <p:nvPr>
             <p:extLst>
               <p:ext uri="{386F3935-93C4-4BCD-93E2-E3B085C9AB24}">
-                <p16:designElem xmlns:p16="http://schemas.microsoft.com/office/powerpoint/2015/main" val="1"/>
+                <p16:designElem xmlns:p16="http://schemas.microsoft.com/office/powerpoint/2015/main" xmlns="" val="1"/>
               </p:ext>
             </p:extLst>
           </p:nvPr>
@@ -5883,7 +5888,7 @@
           <p:cNvPr id="2" name="Titel 1">
             <a:extLst>
               <a:ext uri="{FF2B5EF4-FFF2-40B4-BE49-F238E27FC236}">
-                <a16:creationId xmlns:a16="http://schemas.microsoft.com/office/drawing/2014/main" id="{29ED3705-1D80-44D3-86C9-F3B7385E4ACD}"/>
+                <a16:creationId xmlns:a16="http://schemas.microsoft.com/office/drawing/2014/main" xmlns="" id="{29ED3705-1D80-44D3-86C9-F3B7385E4ACD}"/>
               </a:ext>
             </a:extLst>
           </p:cNvPr>
@@ -5949,13 +5954,7 @@
       </p:grpSpPr>
       <p:sp>
         <p:nvSpPr>
-          <p:cNvPr id="2" name="Titel 1">
-            <a:extLst>
-              <a:ext uri="{FF2B5EF4-FFF2-40B4-BE49-F238E27FC236}">
-                <a16:creationId xmlns:a16="http://schemas.microsoft.com/office/drawing/2014/main" id="{695323EB-7C3C-46B3-9FC8-60D17DB9C2EB}"/>
-              </a:ext>
-            </a:extLst>
-          </p:cNvPr>
+          <p:cNvPr id="2" name="Titel 1"/>
           <p:cNvSpPr>
             <a:spLocks noGrp="1"/>
           </p:cNvSpPr>
@@ -5969,22 +5968,16 @@
           <a:lstStyle/>
           <a:p>
             <a:r>
-              <a:rPr lang="nl-BE" dirty="0"/>
-              <a:t>Nog te realiseren</a:t>
-            </a:r>
-            <a:endParaRPr lang="en-US" dirty="0"/>
-          </a:p>
-        </p:txBody>
-      </p:sp>
-      <p:sp>
-        <p:nvSpPr>
-          <p:cNvPr id="3" name="Tijdelijke aanduiding voor inhoud 2">
-            <a:extLst>
-              <a:ext uri="{FF2B5EF4-FFF2-40B4-BE49-F238E27FC236}">
-                <a16:creationId xmlns:a16="http://schemas.microsoft.com/office/drawing/2014/main" id="{A6780C46-BBA0-44FC-A925-D70A85A7BDF8}"/>
-              </a:ext>
-            </a:extLst>
-          </p:cNvPr>
+              <a:rPr lang="nl-BE" dirty="0" smtClean="0"/>
+              <a:t>Problemen</a:t>
+            </a:r>
+            <a:endParaRPr lang="nl-BE" dirty="0"/>
+          </a:p>
+        </p:txBody>
+      </p:sp>
+      <p:sp>
+        <p:nvSpPr>
+          <p:cNvPr id="3" name="Tijdelijke aanduiding voor inhoud 2"/>
           <p:cNvSpPr>
             <a:spLocks noGrp="1"/>
           </p:cNvSpPr>
@@ -5994,47 +5987,39 @@
         </p:nvSpPr>
         <p:spPr/>
         <p:txBody>
-          <a:bodyPr>
-            <a:normAutofit/>
-          </a:bodyPr>
+          <a:bodyPr/>
           <a:lstStyle/>
           <a:p>
             <a:r>
-              <a:rPr lang="nl-BE" sz="2800" b="1" dirty="0"/>
-              <a:t>Hardware:</a:t>
-            </a:r>
-          </a:p>
-          <a:p>
-            <a:r>
-              <a:rPr lang="nl-BE" dirty="0"/>
-              <a:t>Printplaat</a:t>
-            </a:r>
-          </a:p>
-          <a:p>
-            <a:r>
-              <a:rPr lang="nl-BE" sz="2800" b="1" dirty="0"/>
-              <a:t>Software:</a:t>
-            </a:r>
-          </a:p>
-          <a:p>
-            <a:r>
-              <a:rPr lang="nl-BE" dirty="0"/>
-              <a:t>Lichtsturing</a:t>
-            </a:r>
-          </a:p>
-          <a:p>
-            <a:r>
-              <a:rPr lang="nl-BE" dirty="0"/>
-              <a:t>Voetgangersknoppen</a:t>
-            </a:r>
-            <a:endParaRPr lang="en-US" dirty="0"/>
+              <a:rPr lang="nl-BE" dirty="0" smtClean="0"/>
+              <a:t>ATTiny85: niet genoeg timers om frequentie te meten</a:t>
+            </a:r>
+          </a:p>
+          <a:p>
+            <a:r>
+              <a:rPr lang="nl-BE" dirty="0" smtClean="0"/>
+              <a:t>Momentele oplossing: </a:t>
+            </a:r>
+            <a:r>
+              <a:rPr lang="nl-BE" dirty="0" err="1" smtClean="0"/>
+              <a:t>Arduino</a:t>
+            </a:r>
+            <a:r>
+              <a:rPr lang="nl-BE" dirty="0" smtClean="0"/>
+              <a:t> gebruiken om dan een signaal naar de ATTiny85 </a:t>
+            </a:r>
+            <a:r>
+              <a:rPr lang="nl-BE" smtClean="0"/>
+              <a:t>te sturen</a:t>
+            </a:r>
+            <a:endParaRPr lang="nl-BE"/>
           </a:p>
         </p:txBody>
       </p:sp>
     </p:spTree>
     <p:extLst>
       <p:ext uri="{BB962C8B-B14F-4D97-AF65-F5344CB8AC3E}">
-        <p14:creationId xmlns:p14="http://schemas.microsoft.com/office/powerpoint/2010/main" val="3144532993"/>
+        <p14:creationId xmlns:p14="http://schemas.microsoft.com/office/powerpoint/2010/main" val="589097368"/>
       </p:ext>
     </p:extLst>
   </p:cSld>
@@ -6066,7 +6051,7 @@
           <p:cNvPr id="2" name="Titel 1">
             <a:extLst>
               <a:ext uri="{FF2B5EF4-FFF2-40B4-BE49-F238E27FC236}">
-                <a16:creationId xmlns:a16="http://schemas.microsoft.com/office/drawing/2014/main" id="{64568E60-CA2E-486D-B26E-22105ED89E24}"/>
+                <a16:creationId xmlns:a16="http://schemas.microsoft.com/office/drawing/2014/main" xmlns="" id="{695323EB-7C3C-46B3-9FC8-60D17DB9C2EB}"/>
               </a:ext>
             </a:extLst>
           </p:cNvPr>
@@ -6084,7 +6069,7 @@
           <a:p>
             <a:r>
               <a:rPr lang="nl-BE" dirty="0"/>
-              <a:t>Conclusies</a:t>
+              <a:t>Nog te realiseren</a:t>
             </a:r>
             <a:endParaRPr lang="en-US" dirty="0"/>
           </a:p>
@@ -6095,7 +6080,121 @@
           <p:cNvPr id="3" name="Tijdelijke aanduiding voor inhoud 2">
             <a:extLst>
               <a:ext uri="{FF2B5EF4-FFF2-40B4-BE49-F238E27FC236}">
-                <a16:creationId xmlns:a16="http://schemas.microsoft.com/office/drawing/2014/main" id="{C4F3FAD4-BE5E-4167-91D8-A2C2EEF472FD}"/>
+                <a16:creationId xmlns:a16="http://schemas.microsoft.com/office/drawing/2014/main" xmlns="" id="{A6780C46-BBA0-44FC-A925-D70A85A7BDF8}"/>
+              </a:ext>
+            </a:extLst>
+          </p:cNvPr>
+          <p:cNvSpPr>
+            <a:spLocks noGrp="1"/>
+          </p:cNvSpPr>
+          <p:nvPr>
+            <p:ph idx="1"/>
+          </p:nvPr>
+        </p:nvSpPr>
+        <p:spPr/>
+        <p:txBody>
+          <a:bodyPr>
+            <a:normAutofit/>
+          </a:bodyPr>
+          <a:lstStyle/>
+          <a:p>
+            <a:r>
+              <a:rPr lang="nl-BE" sz="2800" b="1" dirty="0"/>
+              <a:t>Hardware:</a:t>
+            </a:r>
+          </a:p>
+          <a:p>
+            <a:r>
+              <a:rPr lang="nl-BE" dirty="0"/>
+              <a:t>Printplaat</a:t>
+            </a:r>
+          </a:p>
+          <a:p>
+            <a:r>
+              <a:rPr lang="nl-BE" sz="2800" b="1" dirty="0"/>
+              <a:t>Software:</a:t>
+            </a:r>
+          </a:p>
+          <a:p>
+            <a:r>
+              <a:rPr lang="nl-BE" dirty="0"/>
+              <a:t>Lichtsturing</a:t>
+            </a:r>
+          </a:p>
+          <a:p>
+            <a:r>
+              <a:rPr lang="nl-BE" dirty="0"/>
+              <a:t>Voetgangersknoppen</a:t>
+            </a:r>
+            <a:endParaRPr lang="en-US" dirty="0"/>
+          </a:p>
+        </p:txBody>
+      </p:sp>
+    </p:spTree>
+    <p:extLst>
+      <p:ext uri="{BB962C8B-B14F-4D97-AF65-F5344CB8AC3E}">
+        <p14:creationId xmlns:p14="http://schemas.microsoft.com/office/powerpoint/2010/main" val="3144532993"/>
+      </p:ext>
+    </p:extLst>
+  </p:cSld>
+  <p:clrMapOvr>
+    <a:masterClrMapping/>
+  </p:clrMapOvr>
+</p:sld>
+</file>
+
+<file path=ppt/slides/slide16.xml><?xml version="1.0" encoding="utf-8"?>
+<p:sld xmlns:a="http://schemas.openxmlformats.org/drawingml/2006/main" xmlns:r="http://schemas.openxmlformats.org/officeDocument/2006/relationships" xmlns:p="http://schemas.openxmlformats.org/presentationml/2006/main">
+  <p:cSld>
+    <p:spTree>
+      <p:nvGrpSpPr>
+        <p:cNvPr id="1" name=""/>
+        <p:cNvGrpSpPr/>
+        <p:nvPr/>
+      </p:nvGrpSpPr>
+      <p:grpSpPr>
+        <a:xfrm>
+          <a:off x="0" y="0"/>
+          <a:ext cx="0" cy="0"/>
+          <a:chOff x="0" y="0"/>
+          <a:chExt cx="0" cy="0"/>
+        </a:xfrm>
+      </p:grpSpPr>
+      <p:sp>
+        <p:nvSpPr>
+          <p:cNvPr id="2" name="Titel 1">
+            <a:extLst>
+              <a:ext uri="{FF2B5EF4-FFF2-40B4-BE49-F238E27FC236}">
+                <a16:creationId xmlns:a16="http://schemas.microsoft.com/office/drawing/2014/main" xmlns="" id="{64568E60-CA2E-486D-B26E-22105ED89E24}"/>
+              </a:ext>
+            </a:extLst>
+          </p:cNvPr>
+          <p:cNvSpPr>
+            <a:spLocks noGrp="1"/>
+          </p:cNvSpPr>
+          <p:nvPr>
+            <p:ph type="title"/>
+          </p:nvPr>
+        </p:nvSpPr>
+        <p:spPr/>
+        <p:txBody>
+          <a:bodyPr/>
+          <a:lstStyle/>
+          <a:p>
+            <a:r>
+              <a:rPr lang="nl-BE" dirty="0"/>
+              <a:t>Conclusies</a:t>
+            </a:r>
+            <a:endParaRPr lang="en-US" dirty="0"/>
+          </a:p>
+        </p:txBody>
+      </p:sp>
+      <p:sp>
+        <p:nvSpPr>
+          <p:cNvPr id="3" name="Tijdelijke aanduiding voor inhoud 2">
+            <a:extLst>
+              <a:ext uri="{FF2B5EF4-FFF2-40B4-BE49-F238E27FC236}">
+                <a16:creationId xmlns:a16="http://schemas.microsoft.com/office/drawing/2014/main" xmlns="" id="{C4F3FAD4-BE5E-4167-91D8-A2C2EEF472FD}"/>
               </a:ext>
             </a:extLst>
           </p:cNvPr>
@@ -6204,7 +6303,7 @@
           <p:cNvPr id="2" name="Titel 1">
             <a:extLst>
               <a:ext uri="{FF2B5EF4-FFF2-40B4-BE49-F238E27FC236}">
-                <a16:creationId xmlns:a16="http://schemas.microsoft.com/office/drawing/2014/main" id="{828D26E2-73BB-4D93-9CD3-8DAFE4ADF57B}"/>
+                <a16:creationId xmlns:a16="http://schemas.microsoft.com/office/drawing/2014/main" xmlns="" id="{828D26E2-73BB-4D93-9CD3-8DAFE4ADF57B}"/>
               </a:ext>
             </a:extLst>
           </p:cNvPr>
@@ -6233,7 +6332,7 @@
           <p:cNvPr id="3" name="Tijdelijke aanduiding voor inhoud 2">
             <a:extLst>
               <a:ext uri="{FF2B5EF4-FFF2-40B4-BE49-F238E27FC236}">
-                <a16:creationId xmlns:a16="http://schemas.microsoft.com/office/drawing/2014/main" id="{C9F5F873-8B92-437C-9C82-9295005B5062}"/>
+                <a16:creationId xmlns:a16="http://schemas.microsoft.com/office/drawing/2014/main" xmlns="" id="{C9F5F873-8B92-437C-9C82-9295005B5062}"/>
               </a:ext>
             </a:extLst>
           </p:cNvPr>
@@ -6310,7 +6409,7 @@
           <p:cNvPr id="2" name="Titel 1">
             <a:extLst>
               <a:ext uri="{FF2B5EF4-FFF2-40B4-BE49-F238E27FC236}">
-                <a16:creationId xmlns:a16="http://schemas.microsoft.com/office/drawing/2014/main" id="{8A86D693-9EA6-4036-8726-E8B5AAED5D3B}"/>
+                <a16:creationId xmlns:a16="http://schemas.microsoft.com/office/drawing/2014/main" xmlns="" id="{8A86D693-9EA6-4036-8726-E8B5AAED5D3B}"/>
               </a:ext>
             </a:extLst>
           </p:cNvPr>
@@ -6339,7 +6438,7 @@
           <p:cNvPr id="3" name="Tijdelijke aanduiding voor inhoud 2">
             <a:extLst>
               <a:ext uri="{FF2B5EF4-FFF2-40B4-BE49-F238E27FC236}">
-                <a16:creationId xmlns:a16="http://schemas.microsoft.com/office/drawing/2014/main" id="{D105B2BA-64CB-442B-8F44-DB60675B89DC}"/>
+                <a16:creationId xmlns:a16="http://schemas.microsoft.com/office/drawing/2014/main" xmlns="" id="{D105B2BA-64CB-442B-8F44-DB60675B89DC}"/>
               </a:ext>
             </a:extLst>
           </p:cNvPr>
@@ -6426,7 +6525,7 @@
           <p:cNvPr id="2" name="Titel 1">
             <a:extLst>
               <a:ext uri="{FF2B5EF4-FFF2-40B4-BE49-F238E27FC236}">
-                <a16:creationId xmlns:a16="http://schemas.microsoft.com/office/drawing/2014/main" id="{534B0019-F366-46A5-A55E-D2F5EA7C4CD2}"/>
+                <a16:creationId xmlns:a16="http://schemas.microsoft.com/office/drawing/2014/main" xmlns="" id="{534B0019-F366-46A5-A55E-D2F5EA7C4CD2}"/>
               </a:ext>
             </a:extLst>
           </p:cNvPr>
@@ -6459,7 +6558,7 @@
           <p:cNvPr id="3" name="Tijdelijke aanduiding voor inhoud 2">
             <a:extLst>
               <a:ext uri="{FF2B5EF4-FFF2-40B4-BE49-F238E27FC236}">
-                <a16:creationId xmlns:a16="http://schemas.microsoft.com/office/drawing/2014/main" id="{5492704B-6213-446A-B1CB-C69A56CFC53A}"/>
+                <a16:creationId xmlns:a16="http://schemas.microsoft.com/office/drawing/2014/main" xmlns="" id="{5492704B-6213-446A-B1CB-C69A56CFC53A}"/>
               </a:ext>
             </a:extLst>
           </p:cNvPr>
@@ -6543,7 +6642,7 @@
           <p:cNvPr id="2" name="Titel 1">
             <a:extLst>
               <a:ext uri="{FF2B5EF4-FFF2-40B4-BE49-F238E27FC236}">
-                <a16:creationId xmlns:a16="http://schemas.microsoft.com/office/drawing/2014/main" id="{72408AE1-FDB0-4219-B7FB-B6820B79F16F}"/>
+                <a16:creationId xmlns:a16="http://schemas.microsoft.com/office/drawing/2014/main" xmlns="" id="{72408AE1-FDB0-4219-B7FB-B6820B79F16F}"/>
               </a:ext>
             </a:extLst>
           </p:cNvPr>
@@ -6572,7 +6671,7 @@
           <p:cNvPr id="3" name="Tijdelijke aanduiding voor inhoud 2">
             <a:extLst>
               <a:ext uri="{FF2B5EF4-FFF2-40B4-BE49-F238E27FC236}">
-                <a16:creationId xmlns:a16="http://schemas.microsoft.com/office/drawing/2014/main" id="{C5EF42CD-FA02-4DA3-847A-173E178869BA}"/>
+                <a16:creationId xmlns:a16="http://schemas.microsoft.com/office/drawing/2014/main" xmlns="" id="{C5EF42CD-FA02-4DA3-847A-173E178869BA}"/>
               </a:ext>
             </a:extLst>
           </p:cNvPr>
@@ -6676,10 +6775,10 @@
           <p:cNvPr id="9" name="Rectangle 8">
             <a:extLst>
               <a:ext uri="{FF2B5EF4-FFF2-40B4-BE49-F238E27FC236}">
-                <a16:creationId xmlns:a16="http://schemas.microsoft.com/office/drawing/2014/main" id="{A499F183-99EE-4B1F-BA64-21A07922AE82}"/>
+                <a16:creationId xmlns:a16="http://schemas.microsoft.com/office/drawing/2014/main" xmlns="" id="{A499F183-99EE-4B1F-BA64-21A07922AE82}"/>
               </a:ext>
               <a:ext uri="{C183D7F6-B498-43B3-948B-1728B52AA6E4}">
-                <adec:decorative xmlns:adec="http://schemas.microsoft.com/office/drawing/2017/decorative" val="1"/>
+                <adec:decorative xmlns:adec="http://schemas.microsoft.com/office/drawing/2017/decorative" xmlns="" val="1"/>
               </a:ext>
             </a:extLst>
           </p:cNvPr>
@@ -6689,7 +6788,7 @@
           <p:nvPr>
             <p:extLst>
               <p:ext uri="{386F3935-93C4-4BCD-93E2-E3B085C9AB24}">
-                <p16:designElem xmlns:p16="http://schemas.microsoft.com/office/powerpoint/2015/main" val="1"/>
+                <p16:designElem xmlns:p16="http://schemas.microsoft.com/office/powerpoint/2015/main" xmlns="" val="1"/>
               </p:ext>
             </p:extLst>
           </p:nvPr>
@@ -6730,10 +6829,10 @@
           <p:cNvPr id="11" name="Rectangle 10">
             <a:extLst>
               <a:ext uri="{FF2B5EF4-FFF2-40B4-BE49-F238E27FC236}">
-                <a16:creationId xmlns:a16="http://schemas.microsoft.com/office/drawing/2014/main" id="{B783A767-5AFC-40D0-A72C-09036EA1726F}"/>
+                <a16:creationId xmlns:a16="http://schemas.microsoft.com/office/drawing/2014/main" xmlns="" id="{B783A767-5AFC-40D0-A72C-09036EA1726F}"/>
               </a:ext>
               <a:ext uri="{C183D7F6-B498-43B3-948B-1728B52AA6E4}">
-                <adec:decorative xmlns:adec="http://schemas.microsoft.com/office/drawing/2017/decorative" val="1"/>
+                <adec:decorative xmlns:adec="http://schemas.microsoft.com/office/drawing/2017/decorative" xmlns="" val="1"/>
               </a:ext>
             </a:extLst>
           </p:cNvPr>
@@ -6743,7 +6842,7 @@
           <p:nvPr>
             <p:extLst>
               <p:ext uri="{386F3935-93C4-4BCD-93E2-E3B085C9AB24}">
-                <p16:designElem xmlns:p16="http://schemas.microsoft.com/office/powerpoint/2015/main" val="1"/>
+                <p16:designElem xmlns:p16="http://schemas.microsoft.com/office/powerpoint/2015/main" xmlns="" val="1"/>
               </p:ext>
             </p:extLst>
           </p:nvPr>
@@ -6784,10 +6883,10 @@
           <p:cNvPr id="13" name="Rectangle 12">
             <a:extLst>
               <a:ext uri="{FF2B5EF4-FFF2-40B4-BE49-F238E27FC236}">
-                <a16:creationId xmlns:a16="http://schemas.microsoft.com/office/drawing/2014/main" id="{41262CAC-6BC8-43F9-9113-770A2772F68C}"/>
+                <a16:creationId xmlns:a16="http://schemas.microsoft.com/office/drawing/2014/main" xmlns="" id="{41262CAC-6BC8-43F9-9113-770A2772F68C}"/>
               </a:ext>
               <a:ext uri="{C183D7F6-B498-43B3-948B-1728B52AA6E4}">
-                <adec:decorative xmlns:adec="http://schemas.microsoft.com/office/drawing/2017/decorative" val="1"/>
+                <adec:decorative xmlns:adec="http://schemas.microsoft.com/office/drawing/2017/decorative" xmlns="" val="1"/>
               </a:ext>
             </a:extLst>
           </p:cNvPr>
@@ -6797,7 +6896,7 @@
           <p:nvPr>
             <p:extLst>
               <p:ext uri="{386F3935-93C4-4BCD-93E2-E3B085C9AB24}">
-                <p16:designElem xmlns:p16="http://schemas.microsoft.com/office/powerpoint/2015/main" val="1"/>
+                <p16:designElem xmlns:p16="http://schemas.microsoft.com/office/powerpoint/2015/main" xmlns="" val="1"/>
               </p:ext>
             </p:extLst>
           </p:nvPr>
@@ -6838,10 +6937,10 @@
           <p:cNvPr id="15" name="Rectangle 14">
             <a:extLst>
               <a:ext uri="{FF2B5EF4-FFF2-40B4-BE49-F238E27FC236}">
-                <a16:creationId xmlns:a16="http://schemas.microsoft.com/office/drawing/2014/main" id="{1AA2CCB6-DFD2-41CD-96FE-0140B793599F}"/>
+                <a16:creationId xmlns:a16="http://schemas.microsoft.com/office/drawing/2014/main" xmlns="" id="{1AA2CCB6-DFD2-41CD-96FE-0140B793599F}"/>
               </a:ext>
               <a:ext uri="{C183D7F6-B498-43B3-948B-1728B52AA6E4}">
-                <adec:decorative xmlns:adec="http://schemas.microsoft.com/office/drawing/2017/decorative" val="1"/>
+                <adec:decorative xmlns:adec="http://schemas.microsoft.com/office/drawing/2017/decorative" xmlns="" val="1"/>
               </a:ext>
             </a:extLst>
           </p:cNvPr>
@@ -6851,7 +6950,7 @@
           <p:nvPr>
             <p:extLst>
               <p:ext uri="{386F3935-93C4-4BCD-93E2-E3B085C9AB24}">
-                <p16:designElem xmlns:p16="http://schemas.microsoft.com/office/powerpoint/2015/main" val="1"/>
+                <p16:designElem xmlns:p16="http://schemas.microsoft.com/office/powerpoint/2015/main" xmlns="" val="1"/>
               </p:ext>
             </p:extLst>
           </p:nvPr>
@@ -6892,10 +6991,10 @@
           <p:cNvPr id="17" name="Rectangle 16">
             <a:extLst>
               <a:ext uri="{FF2B5EF4-FFF2-40B4-BE49-F238E27FC236}">
-                <a16:creationId xmlns:a16="http://schemas.microsoft.com/office/drawing/2014/main" id="{6A225C9B-755F-4F91-9681-5E07AFAA71F4}"/>
+                <a16:creationId xmlns:a16="http://schemas.microsoft.com/office/drawing/2014/main" xmlns="" id="{6A225C9B-755F-4F91-9681-5E07AFAA71F4}"/>
               </a:ext>
               <a:ext uri="{C183D7F6-B498-43B3-948B-1728B52AA6E4}">
-                <adec:decorative xmlns:adec="http://schemas.microsoft.com/office/drawing/2017/decorative" val="1"/>
+                <adec:decorative xmlns:adec="http://schemas.microsoft.com/office/drawing/2017/decorative" xmlns="" val="1"/>
               </a:ext>
             </a:extLst>
           </p:cNvPr>
@@ -6905,7 +7004,7 @@
           <p:nvPr>
             <p:extLst>
               <p:ext uri="{386F3935-93C4-4BCD-93E2-E3B085C9AB24}">
-                <p16:designElem xmlns:p16="http://schemas.microsoft.com/office/powerpoint/2015/main" val="1"/>
+                <p16:designElem xmlns:p16="http://schemas.microsoft.com/office/powerpoint/2015/main" xmlns="" val="1"/>
               </p:ext>
             </p:extLst>
           </p:nvPr>
@@ -6952,7 +7051,7 @@
           <p:cNvPr id="4" name="Tijdelijke aanduiding voor inhoud 3">
             <a:extLst>
               <a:ext uri="{FF2B5EF4-FFF2-40B4-BE49-F238E27FC236}">
-                <a16:creationId xmlns:a16="http://schemas.microsoft.com/office/drawing/2014/main" id="{8433633B-F7F7-4B7D-8ADD-1A7C313A4144}"/>
+                <a16:creationId xmlns:a16="http://schemas.microsoft.com/office/drawing/2014/main" xmlns="" id="{8433633B-F7F7-4B7D-8ADD-1A7C313A4144}"/>
               </a:ext>
             </a:extLst>
           </p:cNvPr>
@@ -6984,10 +7083,10 @@
           <p:cNvPr id="19" name="Rectangle 18">
             <a:extLst>
               <a:ext uri="{FF2B5EF4-FFF2-40B4-BE49-F238E27FC236}">
-                <a16:creationId xmlns:a16="http://schemas.microsoft.com/office/drawing/2014/main" id="{932CD2CD-6CF3-4EE9-A24A-A41D45DCF922}"/>
+                <a16:creationId xmlns:a16="http://schemas.microsoft.com/office/drawing/2014/main" xmlns="" id="{932CD2CD-6CF3-4EE9-A24A-A41D45DCF922}"/>
               </a:ext>
               <a:ext uri="{C183D7F6-B498-43B3-948B-1728B52AA6E4}">
-                <adec:decorative xmlns:adec="http://schemas.microsoft.com/office/drawing/2017/decorative" val="1"/>
+                <adec:decorative xmlns:adec="http://schemas.microsoft.com/office/drawing/2017/decorative" xmlns="" val="1"/>
               </a:ext>
             </a:extLst>
           </p:cNvPr>
@@ -6997,7 +7096,7 @@
           <p:nvPr>
             <p:extLst>
               <p:ext uri="{386F3935-93C4-4BCD-93E2-E3B085C9AB24}">
-                <p16:designElem xmlns:p16="http://schemas.microsoft.com/office/powerpoint/2015/main" val="1"/>
+                <p16:designElem xmlns:p16="http://schemas.microsoft.com/office/powerpoint/2015/main" xmlns="" val="1"/>
               </p:ext>
             </p:extLst>
           </p:nvPr>
@@ -7038,7 +7137,7 @@
           <p:cNvPr id="2" name="Titel 1">
             <a:extLst>
               <a:ext uri="{FF2B5EF4-FFF2-40B4-BE49-F238E27FC236}">
-                <a16:creationId xmlns:a16="http://schemas.microsoft.com/office/drawing/2014/main" id="{3D230398-7698-4D9E-9BC4-E28438E50D5D}"/>
+                <a16:creationId xmlns:a16="http://schemas.microsoft.com/office/drawing/2014/main" xmlns="" id="{3D230398-7698-4D9E-9BC4-E28438E50D5D}"/>
               </a:ext>
             </a:extLst>
           </p:cNvPr>
@@ -7068,6 +7167,14 @@
                 </a:solidFill>
               </a:rPr>
               <a:t>Blokschema</a:t>
+            </a:r>
+            <a:r>
+              <a:rPr lang="en-US" sz="3600" dirty="0">
+                <a:solidFill>
+                  <a:srgbClr val="FFFFFF"/>
+                </a:solidFill>
+              </a:rPr>
+              <a:t/>
             </a:r>
             <a:br>
               <a:rPr lang="en-US" sz="3600" dirty="0">
@@ -7135,10 +7242,10 @@
           <p:cNvPr id="25" name="Rectangle 24">
             <a:extLst>
               <a:ext uri="{FF2B5EF4-FFF2-40B4-BE49-F238E27FC236}">
-                <a16:creationId xmlns:a16="http://schemas.microsoft.com/office/drawing/2014/main" id="{A499F183-99EE-4B1F-BA64-21A07922AE82}"/>
+                <a16:creationId xmlns:a16="http://schemas.microsoft.com/office/drawing/2014/main" xmlns="" id="{A499F183-99EE-4B1F-BA64-21A07922AE82}"/>
               </a:ext>
               <a:ext uri="{C183D7F6-B498-43B3-948B-1728B52AA6E4}">
-                <adec:decorative xmlns:adec="http://schemas.microsoft.com/office/drawing/2017/decorative" val="1"/>
+                <adec:decorative xmlns:adec="http://schemas.microsoft.com/office/drawing/2017/decorative" xmlns="" val="1"/>
               </a:ext>
             </a:extLst>
           </p:cNvPr>
@@ -7148,7 +7255,7 @@
           <p:nvPr>
             <p:extLst>
               <p:ext uri="{386F3935-93C4-4BCD-93E2-E3B085C9AB24}">
-                <p16:designElem xmlns:p16="http://schemas.microsoft.com/office/powerpoint/2015/main" val="1"/>
+                <p16:designElem xmlns:p16="http://schemas.microsoft.com/office/powerpoint/2015/main" xmlns="" val="1"/>
               </p:ext>
             </p:extLst>
           </p:nvPr>
@@ -7189,10 +7296,10 @@
           <p:cNvPr id="27" name="Rectangle 26">
             <a:extLst>
               <a:ext uri="{FF2B5EF4-FFF2-40B4-BE49-F238E27FC236}">
-                <a16:creationId xmlns:a16="http://schemas.microsoft.com/office/drawing/2014/main" id="{B783A767-5AFC-40D0-A72C-09036EA1726F}"/>
+                <a16:creationId xmlns:a16="http://schemas.microsoft.com/office/drawing/2014/main" xmlns="" id="{B783A767-5AFC-40D0-A72C-09036EA1726F}"/>
               </a:ext>
               <a:ext uri="{C183D7F6-B498-43B3-948B-1728B52AA6E4}">
-                <adec:decorative xmlns:adec="http://schemas.microsoft.com/office/drawing/2017/decorative" val="1"/>
+                <adec:decorative xmlns:adec="http://schemas.microsoft.com/office/drawing/2017/decorative" xmlns="" val="1"/>
               </a:ext>
             </a:extLst>
           </p:cNvPr>
@@ -7202,7 +7309,7 @@
           <p:nvPr>
             <p:extLst>
               <p:ext uri="{386F3935-93C4-4BCD-93E2-E3B085C9AB24}">
-                <p16:designElem xmlns:p16="http://schemas.microsoft.com/office/powerpoint/2015/main" val="1"/>
+                <p16:designElem xmlns:p16="http://schemas.microsoft.com/office/powerpoint/2015/main" xmlns="" val="1"/>
               </p:ext>
             </p:extLst>
           </p:nvPr>
@@ -7243,10 +7350,10 @@
           <p:cNvPr id="29" name="Rectangle 28">
             <a:extLst>
               <a:ext uri="{FF2B5EF4-FFF2-40B4-BE49-F238E27FC236}">
-                <a16:creationId xmlns:a16="http://schemas.microsoft.com/office/drawing/2014/main" id="{41262CAC-6BC8-43F9-9113-770A2772F68C}"/>
+                <a16:creationId xmlns:a16="http://schemas.microsoft.com/office/drawing/2014/main" xmlns="" id="{41262CAC-6BC8-43F9-9113-770A2772F68C}"/>
               </a:ext>
               <a:ext uri="{C183D7F6-B498-43B3-948B-1728B52AA6E4}">
-                <adec:decorative xmlns:adec="http://schemas.microsoft.com/office/drawing/2017/decorative" val="1"/>
+                <adec:decorative xmlns:adec="http://schemas.microsoft.com/office/drawing/2017/decorative" xmlns="" val="1"/>
               </a:ext>
             </a:extLst>
           </p:cNvPr>
@@ -7256,7 +7363,7 @@
           <p:nvPr>
             <p:extLst>
               <p:ext uri="{386F3935-93C4-4BCD-93E2-E3B085C9AB24}">
-                <p16:designElem xmlns:p16="http://schemas.microsoft.com/office/powerpoint/2015/main" val="1"/>
+                <p16:designElem xmlns:p16="http://schemas.microsoft.com/office/powerpoint/2015/main" xmlns="" val="1"/>
               </p:ext>
             </p:extLst>
           </p:nvPr>
@@ -7297,10 +7404,10 @@
           <p:cNvPr id="31" name="Rectangle 30">
             <a:extLst>
               <a:ext uri="{FF2B5EF4-FFF2-40B4-BE49-F238E27FC236}">
-                <a16:creationId xmlns:a16="http://schemas.microsoft.com/office/drawing/2014/main" id="{1AA2CCB6-DFD2-41CD-96FE-0140B793599F}"/>
+                <a16:creationId xmlns:a16="http://schemas.microsoft.com/office/drawing/2014/main" xmlns="" id="{1AA2CCB6-DFD2-41CD-96FE-0140B793599F}"/>
               </a:ext>
               <a:ext uri="{C183D7F6-B498-43B3-948B-1728B52AA6E4}">
-                <adec:decorative xmlns:adec="http://schemas.microsoft.com/office/drawing/2017/decorative" val="1"/>
+                <adec:decorative xmlns:adec="http://schemas.microsoft.com/office/drawing/2017/decorative" xmlns="" val="1"/>
               </a:ext>
             </a:extLst>
           </p:cNvPr>
@@ -7310,7 +7417,7 @@
           <p:nvPr>
             <p:extLst>
               <p:ext uri="{386F3935-93C4-4BCD-93E2-E3B085C9AB24}">
-                <p16:designElem xmlns:p16="http://schemas.microsoft.com/office/powerpoint/2015/main" val="1"/>
+                <p16:designElem xmlns:p16="http://schemas.microsoft.com/office/powerpoint/2015/main" xmlns="" val="1"/>
               </p:ext>
             </p:extLst>
           </p:nvPr>
@@ -7351,10 +7458,10 @@
           <p:cNvPr id="33" name="Rectangle 32">
             <a:extLst>
               <a:ext uri="{FF2B5EF4-FFF2-40B4-BE49-F238E27FC236}">
-                <a16:creationId xmlns:a16="http://schemas.microsoft.com/office/drawing/2014/main" id="{6A225C9B-755F-4F91-9681-5E07AFAA71F4}"/>
+                <a16:creationId xmlns:a16="http://schemas.microsoft.com/office/drawing/2014/main" xmlns="" id="{6A225C9B-755F-4F91-9681-5E07AFAA71F4}"/>
               </a:ext>
               <a:ext uri="{C183D7F6-B498-43B3-948B-1728B52AA6E4}">
-                <adec:decorative xmlns:adec="http://schemas.microsoft.com/office/drawing/2017/decorative" val="1"/>
+                <adec:decorative xmlns:adec="http://schemas.microsoft.com/office/drawing/2017/decorative" xmlns="" val="1"/>
               </a:ext>
             </a:extLst>
           </p:cNvPr>
@@ -7364,7 +7471,7 @@
           <p:nvPr>
             <p:extLst>
               <p:ext uri="{386F3935-93C4-4BCD-93E2-E3B085C9AB24}">
-                <p16:designElem xmlns:p16="http://schemas.microsoft.com/office/powerpoint/2015/main" val="1"/>
+                <p16:designElem xmlns:p16="http://schemas.microsoft.com/office/powerpoint/2015/main" xmlns="" val="1"/>
               </p:ext>
             </p:extLst>
           </p:nvPr>
@@ -7411,7 +7518,7 @@
           <p:cNvPr id="22" name="Afbeelding 5">
             <a:extLst>
               <a:ext uri="{FF2B5EF4-FFF2-40B4-BE49-F238E27FC236}">
-                <a16:creationId xmlns:a16="http://schemas.microsoft.com/office/drawing/2014/main" id="{B82DCEB9-40E0-419F-9718-C0093828BB7C}"/>
+                <a16:creationId xmlns:a16="http://schemas.microsoft.com/office/drawing/2014/main" xmlns="" id="{B82DCEB9-40E0-419F-9718-C0093828BB7C}"/>
               </a:ext>
             </a:extLst>
           </p:cNvPr>
@@ -7443,10 +7550,10 @@
           <p:cNvPr id="35" name="Rectangle 34">
             <a:extLst>
               <a:ext uri="{FF2B5EF4-FFF2-40B4-BE49-F238E27FC236}">
-                <a16:creationId xmlns:a16="http://schemas.microsoft.com/office/drawing/2014/main" id="{932CD2CD-6CF3-4EE9-A24A-A41D45DCF922}"/>
+                <a16:creationId xmlns:a16="http://schemas.microsoft.com/office/drawing/2014/main" xmlns="" id="{932CD2CD-6CF3-4EE9-A24A-A41D45DCF922}"/>
               </a:ext>
               <a:ext uri="{C183D7F6-B498-43B3-948B-1728B52AA6E4}">
-                <adec:decorative xmlns:adec="http://schemas.microsoft.com/office/drawing/2017/decorative" val="1"/>
+                <adec:decorative xmlns:adec="http://schemas.microsoft.com/office/drawing/2017/decorative" xmlns="" val="1"/>
               </a:ext>
             </a:extLst>
           </p:cNvPr>
@@ -7456,7 +7563,7 @@
           <p:nvPr>
             <p:extLst>
               <p:ext uri="{386F3935-93C4-4BCD-93E2-E3B085C9AB24}">
-                <p16:designElem xmlns:p16="http://schemas.microsoft.com/office/powerpoint/2015/main" val="1"/>
+                <p16:designElem xmlns:p16="http://schemas.microsoft.com/office/powerpoint/2015/main" xmlns="" val="1"/>
               </p:ext>
             </p:extLst>
           </p:nvPr>
@@ -7497,7 +7604,7 @@
           <p:cNvPr id="2" name="Titel 1">
             <a:extLst>
               <a:ext uri="{FF2B5EF4-FFF2-40B4-BE49-F238E27FC236}">
-                <a16:creationId xmlns:a16="http://schemas.microsoft.com/office/drawing/2014/main" id="{DA69309B-AA6B-4200-B120-3D390EED448A}"/>
+                <a16:creationId xmlns:a16="http://schemas.microsoft.com/office/drawing/2014/main" xmlns="" id="{DA69309B-AA6B-4200-B120-3D390EED448A}"/>
               </a:ext>
             </a:extLst>
           </p:cNvPr>
@@ -7590,10 +7697,10 @@
           <p:cNvPr id="25" name="Rectangle 24">
             <a:extLst>
               <a:ext uri="{FF2B5EF4-FFF2-40B4-BE49-F238E27FC236}">
-                <a16:creationId xmlns:a16="http://schemas.microsoft.com/office/drawing/2014/main" id="{A499F183-99EE-4B1F-BA64-21A07922AE82}"/>
+                <a16:creationId xmlns:a16="http://schemas.microsoft.com/office/drawing/2014/main" xmlns="" id="{A499F183-99EE-4B1F-BA64-21A07922AE82}"/>
               </a:ext>
               <a:ext uri="{C183D7F6-B498-43B3-948B-1728B52AA6E4}">
-                <adec:decorative xmlns:adec="http://schemas.microsoft.com/office/drawing/2017/decorative" val="1"/>
+                <adec:decorative xmlns:adec="http://schemas.microsoft.com/office/drawing/2017/decorative" xmlns="" val="1"/>
               </a:ext>
             </a:extLst>
           </p:cNvPr>
@@ -7603,7 +7710,7 @@
           <p:nvPr>
             <p:extLst>
               <p:ext uri="{386F3935-93C4-4BCD-93E2-E3B085C9AB24}">
-                <p16:designElem xmlns:p16="http://schemas.microsoft.com/office/powerpoint/2015/main" val="1"/>
+                <p16:designElem xmlns:p16="http://schemas.microsoft.com/office/powerpoint/2015/main" xmlns="" val="1"/>
               </p:ext>
             </p:extLst>
           </p:nvPr>
@@ -7644,10 +7751,10 @@
           <p:cNvPr id="27" name="Rectangle 26">
             <a:extLst>
               <a:ext uri="{FF2B5EF4-FFF2-40B4-BE49-F238E27FC236}">
-                <a16:creationId xmlns:a16="http://schemas.microsoft.com/office/drawing/2014/main" id="{B783A767-5AFC-40D0-A72C-09036EA1726F}"/>
+                <a16:creationId xmlns:a16="http://schemas.microsoft.com/office/drawing/2014/main" xmlns="" id="{B783A767-5AFC-40D0-A72C-09036EA1726F}"/>
               </a:ext>
               <a:ext uri="{C183D7F6-B498-43B3-948B-1728B52AA6E4}">
-                <adec:decorative xmlns:adec="http://schemas.microsoft.com/office/drawing/2017/decorative" val="1"/>
+                <adec:decorative xmlns:adec="http://schemas.microsoft.com/office/drawing/2017/decorative" xmlns="" val="1"/>
               </a:ext>
             </a:extLst>
           </p:cNvPr>
@@ -7657,7 +7764,7 @@
           <p:nvPr>
             <p:extLst>
               <p:ext uri="{386F3935-93C4-4BCD-93E2-E3B085C9AB24}">
-                <p16:designElem xmlns:p16="http://schemas.microsoft.com/office/powerpoint/2015/main" val="1"/>
+                <p16:designElem xmlns:p16="http://schemas.microsoft.com/office/powerpoint/2015/main" xmlns="" val="1"/>
               </p:ext>
             </p:extLst>
           </p:nvPr>
@@ -7698,10 +7805,10 @@
           <p:cNvPr id="29" name="Rectangle 28">
             <a:extLst>
               <a:ext uri="{FF2B5EF4-FFF2-40B4-BE49-F238E27FC236}">
-                <a16:creationId xmlns:a16="http://schemas.microsoft.com/office/drawing/2014/main" id="{41262CAC-6BC8-43F9-9113-770A2772F68C}"/>
+                <a16:creationId xmlns:a16="http://schemas.microsoft.com/office/drawing/2014/main" xmlns="" id="{41262CAC-6BC8-43F9-9113-770A2772F68C}"/>
               </a:ext>
               <a:ext uri="{C183D7F6-B498-43B3-948B-1728B52AA6E4}">
-                <adec:decorative xmlns:adec="http://schemas.microsoft.com/office/drawing/2017/decorative" val="1"/>
+                <adec:decorative xmlns:adec="http://schemas.microsoft.com/office/drawing/2017/decorative" xmlns="" val="1"/>
               </a:ext>
             </a:extLst>
           </p:cNvPr>
@@ -7711,7 +7818,7 @@
           <p:nvPr>
             <p:extLst>
               <p:ext uri="{386F3935-93C4-4BCD-93E2-E3B085C9AB24}">
-                <p16:designElem xmlns:p16="http://schemas.microsoft.com/office/powerpoint/2015/main" val="1"/>
+                <p16:designElem xmlns:p16="http://schemas.microsoft.com/office/powerpoint/2015/main" xmlns="" val="1"/>
               </p:ext>
             </p:extLst>
           </p:nvPr>
@@ -7752,10 +7859,10 @@
           <p:cNvPr id="31" name="Rectangle 30">
             <a:extLst>
               <a:ext uri="{FF2B5EF4-FFF2-40B4-BE49-F238E27FC236}">
-                <a16:creationId xmlns:a16="http://schemas.microsoft.com/office/drawing/2014/main" id="{1AA2CCB6-DFD2-41CD-96FE-0140B793599F}"/>
+                <a16:creationId xmlns:a16="http://schemas.microsoft.com/office/drawing/2014/main" xmlns="" id="{1AA2CCB6-DFD2-41CD-96FE-0140B793599F}"/>
               </a:ext>
               <a:ext uri="{C183D7F6-B498-43B3-948B-1728B52AA6E4}">
-                <adec:decorative xmlns:adec="http://schemas.microsoft.com/office/drawing/2017/decorative" val="1"/>
+                <adec:decorative xmlns:adec="http://schemas.microsoft.com/office/drawing/2017/decorative" xmlns="" val="1"/>
               </a:ext>
             </a:extLst>
           </p:cNvPr>
@@ -7765,7 +7872,7 @@
           <p:nvPr>
             <p:extLst>
               <p:ext uri="{386F3935-93C4-4BCD-93E2-E3B085C9AB24}">
-                <p16:designElem xmlns:p16="http://schemas.microsoft.com/office/powerpoint/2015/main" val="1"/>
+                <p16:designElem xmlns:p16="http://schemas.microsoft.com/office/powerpoint/2015/main" xmlns="" val="1"/>
               </p:ext>
             </p:extLst>
           </p:nvPr>
@@ -7806,10 +7913,10 @@
           <p:cNvPr id="33" name="Rectangle 32">
             <a:extLst>
               <a:ext uri="{FF2B5EF4-FFF2-40B4-BE49-F238E27FC236}">
-                <a16:creationId xmlns:a16="http://schemas.microsoft.com/office/drawing/2014/main" id="{6A225C9B-755F-4F91-9681-5E07AFAA71F4}"/>
+                <a16:creationId xmlns:a16="http://schemas.microsoft.com/office/drawing/2014/main" xmlns="" id="{6A225C9B-755F-4F91-9681-5E07AFAA71F4}"/>
               </a:ext>
               <a:ext uri="{C183D7F6-B498-43B3-948B-1728B52AA6E4}">
-                <adec:decorative xmlns:adec="http://schemas.microsoft.com/office/drawing/2017/decorative" val="1"/>
+                <adec:decorative xmlns:adec="http://schemas.microsoft.com/office/drawing/2017/decorative" xmlns="" val="1"/>
               </a:ext>
             </a:extLst>
           </p:cNvPr>
@@ -7819,7 +7926,7 @@
           <p:nvPr>
             <p:extLst>
               <p:ext uri="{386F3935-93C4-4BCD-93E2-E3B085C9AB24}">
-                <p16:designElem xmlns:p16="http://schemas.microsoft.com/office/powerpoint/2015/main" val="1"/>
+                <p16:designElem xmlns:p16="http://schemas.microsoft.com/office/powerpoint/2015/main" xmlns="" val="1"/>
               </p:ext>
             </p:extLst>
           </p:nvPr>
@@ -7866,7 +7973,7 @@
           <p:cNvPr id="22" name="Afbeelding 6">
             <a:extLst>
               <a:ext uri="{FF2B5EF4-FFF2-40B4-BE49-F238E27FC236}">
-                <a16:creationId xmlns:a16="http://schemas.microsoft.com/office/drawing/2014/main" id="{703311A2-3222-4E2E-B1E2-5BA5BC61B8AC}"/>
+                <a16:creationId xmlns:a16="http://schemas.microsoft.com/office/drawing/2014/main" xmlns="" id="{703311A2-3222-4E2E-B1E2-5BA5BC61B8AC}"/>
               </a:ext>
             </a:extLst>
           </p:cNvPr>
@@ -7898,10 +8005,10 @@
           <p:cNvPr id="35" name="Rectangle 34">
             <a:extLst>
               <a:ext uri="{FF2B5EF4-FFF2-40B4-BE49-F238E27FC236}">
-                <a16:creationId xmlns:a16="http://schemas.microsoft.com/office/drawing/2014/main" id="{932CD2CD-6CF3-4EE9-A24A-A41D45DCF922}"/>
+                <a16:creationId xmlns:a16="http://schemas.microsoft.com/office/drawing/2014/main" xmlns="" id="{932CD2CD-6CF3-4EE9-A24A-A41D45DCF922}"/>
               </a:ext>
               <a:ext uri="{C183D7F6-B498-43B3-948B-1728B52AA6E4}">
-                <adec:decorative xmlns:adec="http://schemas.microsoft.com/office/drawing/2017/decorative" val="1"/>
+                <adec:decorative xmlns:adec="http://schemas.microsoft.com/office/drawing/2017/decorative" xmlns="" val="1"/>
               </a:ext>
             </a:extLst>
           </p:cNvPr>
@@ -7911,7 +8018,7 @@
           <p:nvPr>
             <p:extLst>
               <p:ext uri="{386F3935-93C4-4BCD-93E2-E3B085C9AB24}">
-                <p16:designElem xmlns:p16="http://schemas.microsoft.com/office/powerpoint/2015/main" val="1"/>
+                <p16:designElem xmlns:p16="http://schemas.microsoft.com/office/powerpoint/2015/main" xmlns="" val="1"/>
               </p:ext>
             </p:extLst>
           </p:nvPr>
@@ -7952,7 +8059,7 @@
           <p:cNvPr id="2" name="Titel 1">
             <a:extLst>
               <a:ext uri="{FF2B5EF4-FFF2-40B4-BE49-F238E27FC236}">
-                <a16:creationId xmlns:a16="http://schemas.microsoft.com/office/drawing/2014/main" id="{CA62A9A9-80F9-4E1B-9A44-D56148AA378C}"/>
+                <a16:creationId xmlns:a16="http://schemas.microsoft.com/office/drawing/2014/main" xmlns="" id="{CA62A9A9-80F9-4E1B-9A44-D56148AA378C}"/>
               </a:ext>
             </a:extLst>
           </p:cNvPr>
@@ -8047,10 +8154,10 @@
           <p:cNvPr id="26" name="Rectangle 25">
             <a:extLst>
               <a:ext uri="{FF2B5EF4-FFF2-40B4-BE49-F238E27FC236}">
-                <a16:creationId xmlns:a16="http://schemas.microsoft.com/office/drawing/2014/main" id="{A499F183-99EE-4B1F-BA64-21A07922AE82}"/>
+                <a16:creationId xmlns:a16="http://schemas.microsoft.com/office/drawing/2014/main" xmlns="" id="{A499F183-99EE-4B1F-BA64-21A07922AE82}"/>
               </a:ext>
               <a:ext uri="{C183D7F6-B498-43B3-948B-1728B52AA6E4}">
-                <adec:decorative xmlns:adec="http://schemas.microsoft.com/office/drawing/2017/decorative" val="1"/>
+                <adec:decorative xmlns:adec="http://schemas.microsoft.com/office/drawing/2017/decorative" xmlns="" val="1"/>
               </a:ext>
             </a:extLst>
           </p:cNvPr>
@@ -8060,7 +8167,7 @@
           <p:nvPr>
             <p:extLst>
               <p:ext uri="{386F3935-93C4-4BCD-93E2-E3B085C9AB24}">
-                <p16:designElem xmlns:p16="http://schemas.microsoft.com/office/powerpoint/2015/main" val="1"/>
+                <p16:designElem xmlns:p16="http://schemas.microsoft.com/office/powerpoint/2015/main" xmlns="" val="1"/>
               </p:ext>
             </p:extLst>
           </p:nvPr>
@@ -8101,10 +8208,10 @@
           <p:cNvPr id="28" name="Rectangle 27">
             <a:extLst>
               <a:ext uri="{FF2B5EF4-FFF2-40B4-BE49-F238E27FC236}">
-                <a16:creationId xmlns:a16="http://schemas.microsoft.com/office/drawing/2014/main" id="{B783A767-5AFC-40D0-A72C-09036EA1726F}"/>
+                <a16:creationId xmlns:a16="http://schemas.microsoft.com/office/drawing/2014/main" xmlns="" id="{B783A767-5AFC-40D0-A72C-09036EA1726F}"/>
               </a:ext>
               <a:ext uri="{C183D7F6-B498-43B3-948B-1728B52AA6E4}">
-                <adec:decorative xmlns:adec="http://schemas.microsoft.com/office/drawing/2017/decorative" val="1"/>
+                <adec:decorative xmlns:adec="http://schemas.microsoft.com/office/drawing/2017/decorative" xmlns="" val="1"/>
               </a:ext>
             </a:extLst>
           </p:cNvPr>
@@ -8114,7 +8221,7 @@
           <p:nvPr>
             <p:extLst>
               <p:ext uri="{386F3935-93C4-4BCD-93E2-E3B085C9AB24}">
-                <p16:designElem xmlns:p16="http://schemas.microsoft.com/office/powerpoint/2015/main" val="1"/>
+                <p16:designElem xmlns:p16="http://schemas.microsoft.com/office/powerpoint/2015/main" xmlns="" val="1"/>
               </p:ext>
             </p:extLst>
           </p:nvPr>
@@ -8155,10 +8262,10 @@
           <p:cNvPr id="30" name="Rectangle 29">
             <a:extLst>
               <a:ext uri="{FF2B5EF4-FFF2-40B4-BE49-F238E27FC236}">
-                <a16:creationId xmlns:a16="http://schemas.microsoft.com/office/drawing/2014/main" id="{41262CAC-6BC8-43F9-9113-770A2772F68C}"/>
+                <a16:creationId xmlns:a16="http://schemas.microsoft.com/office/drawing/2014/main" xmlns="" id="{41262CAC-6BC8-43F9-9113-770A2772F68C}"/>
               </a:ext>
               <a:ext uri="{C183D7F6-B498-43B3-948B-1728B52AA6E4}">
-                <adec:decorative xmlns:adec="http://schemas.microsoft.com/office/drawing/2017/decorative" val="1"/>
+                <adec:decorative xmlns:adec="http://schemas.microsoft.com/office/drawing/2017/decorative" xmlns="" val="1"/>
               </a:ext>
             </a:extLst>
           </p:cNvPr>
@@ -8168,7 +8275,7 @@
           <p:nvPr>
             <p:extLst>
               <p:ext uri="{386F3935-93C4-4BCD-93E2-E3B085C9AB24}">
-                <p16:designElem xmlns:p16="http://schemas.microsoft.com/office/powerpoint/2015/main" val="1"/>
+                <p16:designElem xmlns:p16="http://schemas.microsoft.com/office/powerpoint/2015/main" xmlns="" val="1"/>
               </p:ext>
             </p:extLst>
           </p:nvPr>
@@ -8209,10 +8316,10 @@
           <p:cNvPr id="32" name="Rectangle 31">
             <a:extLst>
               <a:ext uri="{FF2B5EF4-FFF2-40B4-BE49-F238E27FC236}">
-                <a16:creationId xmlns:a16="http://schemas.microsoft.com/office/drawing/2014/main" id="{1AA2CCB6-DFD2-41CD-96FE-0140B793599F}"/>
+                <a16:creationId xmlns:a16="http://schemas.microsoft.com/office/drawing/2014/main" xmlns="" id="{1AA2CCB6-DFD2-41CD-96FE-0140B793599F}"/>
               </a:ext>
               <a:ext uri="{C183D7F6-B498-43B3-948B-1728B52AA6E4}">
-                <adec:decorative xmlns:adec="http://schemas.microsoft.com/office/drawing/2017/decorative" val="1"/>
+                <adec:decorative xmlns:adec="http://schemas.microsoft.com/office/drawing/2017/decorative" xmlns="" val="1"/>
               </a:ext>
             </a:extLst>
           </p:cNvPr>
@@ -8222,7 +8329,7 @@
           <p:nvPr>
             <p:extLst>
               <p:ext uri="{386F3935-93C4-4BCD-93E2-E3B085C9AB24}">
-                <p16:designElem xmlns:p16="http://schemas.microsoft.com/office/powerpoint/2015/main" val="1"/>
+                <p16:designElem xmlns:p16="http://schemas.microsoft.com/office/powerpoint/2015/main" xmlns="" val="1"/>
               </p:ext>
             </p:extLst>
           </p:nvPr>
@@ -8263,10 +8370,10 @@
           <p:cNvPr id="34" name="Rectangle 33">
             <a:extLst>
               <a:ext uri="{FF2B5EF4-FFF2-40B4-BE49-F238E27FC236}">
-                <a16:creationId xmlns:a16="http://schemas.microsoft.com/office/drawing/2014/main" id="{6A225C9B-755F-4F91-9681-5E07AFAA71F4}"/>
+                <a16:creationId xmlns:a16="http://schemas.microsoft.com/office/drawing/2014/main" xmlns="" id="{6A225C9B-755F-4F91-9681-5E07AFAA71F4}"/>
               </a:ext>
               <a:ext uri="{C183D7F6-B498-43B3-948B-1728B52AA6E4}">
-                <adec:decorative xmlns:adec="http://schemas.microsoft.com/office/drawing/2017/decorative" val="1"/>
+                <adec:decorative xmlns:adec="http://schemas.microsoft.com/office/drawing/2017/decorative" xmlns="" val="1"/>
               </a:ext>
             </a:extLst>
           </p:cNvPr>
@@ -8276,7 +8383,7 @@
           <p:nvPr>
             <p:extLst>
               <p:ext uri="{386F3935-93C4-4BCD-93E2-E3B085C9AB24}">
-                <p16:designElem xmlns:p16="http://schemas.microsoft.com/office/powerpoint/2015/main" val="1"/>
+                <p16:designElem xmlns:p16="http://schemas.microsoft.com/office/powerpoint/2015/main" xmlns="" val="1"/>
               </p:ext>
             </p:extLst>
           </p:nvPr>
@@ -8323,7 +8430,7 @@
           <p:cNvPr id="23" name="Afbeelding 4">
             <a:extLst>
               <a:ext uri="{FF2B5EF4-FFF2-40B4-BE49-F238E27FC236}">
-                <a16:creationId xmlns:a16="http://schemas.microsoft.com/office/drawing/2014/main" id="{14C2A8F4-5440-4737-B5BD-7A7234C0BA0C}"/>
+                <a16:creationId xmlns:a16="http://schemas.microsoft.com/office/drawing/2014/main" xmlns="" id="{14C2A8F4-5440-4737-B5BD-7A7234C0BA0C}"/>
               </a:ext>
             </a:extLst>
           </p:cNvPr>
@@ -8355,10 +8462,10 @@
           <p:cNvPr id="36" name="Rectangle 35">
             <a:extLst>
               <a:ext uri="{FF2B5EF4-FFF2-40B4-BE49-F238E27FC236}">
-                <a16:creationId xmlns:a16="http://schemas.microsoft.com/office/drawing/2014/main" id="{932CD2CD-6CF3-4EE9-A24A-A41D45DCF922}"/>
+                <a16:creationId xmlns:a16="http://schemas.microsoft.com/office/drawing/2014/main" xmlns="" id="{932CD2CD-6CF3-4EE9-A24A-A41D45DCF922}"/>
               </a:ext>
               <a:ext uri="{C183D7F6-B498-43B3-948B-1728B52AA6E4}">
-                <adec:decorative xmlns:adec="http://schemas.microsoft.com/office/drawing/2017/decorative" val="1"/>
+                <adec:decorative xmlns:adec="http://schemas.microsoft.com/office/drawing/2017/decorative" xmlns="" val="1"/>
               </a:ext>
             </a:extLst>
           </p:cNvPr>
@@ -8368,7 +8475,7 @@
           <p:nvPr>
             <p:extLst>
               <p:ext uri="{386F3935-93C4-4BCD-93E2-E3B085C9AB24}">
-                <p16:designElem xmlns:p16="http://schemas.microsoft.com/office/powerpoint/2015/main" val="1"/>
+                <p16:designElem xmlns:p16="http://schemas.microsoft.com/office/powerpoint/2015/main" xmlns="" val="1"/>
               </p:ext>
             </p:extLst>
           </p:nvPr>
@@ -8409,7 +8516,7 @@
           <p:cNvPr id="2" name="Titel 1">
             <a:extLst>
               <a:ext uri="{FF2B5EF4-FFF2-40B4-BE49-F238E27FC236}">
-                <a16:creationId xmlns:a16="http://schemas.microsoft.com/office/drawing/2014/main" id="{A2D53ED3-C966-46DD-B900-47CFB7EB51EF}"/>
+                <a16:creationId xmlns:a16="http://schemas.microsoft.com/office/drawing/2014/main" xmlns="" id="{A2D53ED3-C966-46DD-B900-47CFB7EB51EF}"/>
               </a:ext>
             </a:extLst>
           </p:cNvPr>
